--- a/Java8/Threads.pptx
+++ b/Java8/Threads.pptx
@@ -7,6 +7,10 @@
   <p:sldIdLst>
     <p:sldId id="256" r:id="rId2"/>
     <p:sldId id="257" r:id="rId3"/>
+    <p:sldId id="258" r:id="rId4"/>
+    <p:sldId id="259" r:id="rId5"/>
+    <p:sldId id="260" r:id="rId6"/>
+    <p:sldId id="261" r:id="rId7"/>
   </p:sldIdLst>
   <p:sldSz cx="12192000" cy="6858000"/>
   <p:notesSz cx="6858000" cy="9144000"/>
@@ -105,6 +109,11 @@
       </a:defRPr>
     </a:lvl9pPr>
   </p:defaultTextStyle>
+  <p:extLst>
+    <p:ext uri="{EFAFB233-063F-42B5-8137-9DF3F51BA10A}">
+      <p15:sldGuideLst xmlns:p15="http://schemas.microsoft.com/office/powerpoint/2012/main"/>
+    </p:ext>
+  </p:extLst>
 </p:presentation>
 </file>
 
@@ -257,7 +266,7 @@
           <a:p>
             <a:fld id="{64B2CC5F-1DEA-489F-8E22-812A5AD9D4C5}" type="datetimeFigureOut">
               <a:rPr lang="en-IN" smtClean="0"/>
-              <a:t>27-10-2021</a:t>
+              <a:t>16-11-2021</a:t>
             </a:fld>
             <a:endParaRPr lang="en-IN"/>
           </a:p>
@@ -457,7 +466,7 @@
           <a:p>
             <a:fld id="{64B2CC5F-1DEA-489F-8E22-812A5AD9D4C5}" type="datetimeFigureOut">
               <a:rPr lang="en-IN" smtClean="0"/>
-              <a:t>27-10-2021</a:t>
+              <a:t>16-11-2021</a:t>
             </a:fld>
             <a:endParaRPr lang="en-IN"/>
           </a:p>
@@ -667,7 +676,7 @@
           <a:p>
             <a:fld id="{64B2CC5F-1DEA-489F-8E22-812A5AD9D4C5}" type="datetimeFigureOut">
               <a:rPr lang="en-IN" smtClean="0"/>
-              <a:t>27-10-2021</a:t>
+              <a:t>16-11-2021</a:t>
             </a:fld>
             <a:endParaRPr lang="en-IN"/>
           </a:p>
@@ -867,7 +876,7 @@
           <a:p>
             <a:fld id="{64B2CC5F-1DEA-489F-8E22-812A5AD9D4C5}" type="datetimeFigureOut">
               <a:rPr lang="en-IN" smtClean="0"/>
-              <a:t>27-10-2021</a:t>
+              <a:t>16-11-2021</a:t>
             </a:fld>
             <a:endParaRPr lang="en-IN"/>
           </a:p>
@@ -1143,7 +1152,7 @@
           <a:p>
             <a:fld id="{64B2CC5F-1DEA-489F-8E22-812A5AD9D4C5}" type="datetimeFigureOut">
               <a:rPr lang="en-IN" smtClean="0"/>
-              <a:t>27-10-2021</a:t>
+              <a:t>16-11-2021</a:t>
             </a:fld>
             <a:endParaRPr lang="en-IN"/>
           </a:p>
@@ -1411,7 +1420,7 @@
           <a:p>
             <a:fld id="{64B2CC5F-1DEA-489F-8E22-812A5AD9D4C5}" type="datetimeFigureOut">
               <a:rPr lang="en-IN" smtClean="0"/>
-              <a:t>27-10-2021</a:t>
+              <a:t>16-11-2021</a:t>
             </a:fld>
             <a:endParaRPr lang="en-IN"/>
           </a:p>
@@ -1826,7 +1835,7 @@
           <a:p>
             <a:fld id="{64B2CC5F-1DEA-489F-8E22-812A5AD9D4C5}" type="datetimeFigureOut">
               <a:rPr lang="en-IN" smtClean="0"/>
-              <a:t>27-10-2021</a:t>
+              <a:t>16-11-2021</a:t>
             </a:fld>
             <a:endParaRPr lang="en-IN"/>
           </a:p>
@@ -1968,7 +1977,7 @@
           <a:p>
             <a:fld id="{64B2CC5F-1DEA-489F-8E22-812A5AD9D4C5}" type="datetimeFigureOut">
               <a:rPr lang="en-IN" smtClean="0"/>
-              <a:t>27-10-2021</a:t>
+              <a:t>16-11-2021</a:t>
             </a:fld>
             <a:endParaRPr lang="en-IN"/>
           </a:p>
@@ -2081,7 +2090,7 @@
           <a:p>
             <a:fld id="{64B2CC5F-1DEA-489F-8E22-812A5AD9D4C5}" type="datetimeFigureOut">
               <a:rPr lang="en-IN" smtClean="0"/>
-              <a:t>27-10-2021</a:t>
+              <a:t>16-11-2021</a:t>
             </a:fld>
             <a:endParaRPr lang="en-IN"/>
           </a:p>
@@ -2394,7 +2403,7 @@
           <a:p>
             <a:fld id="{64B2CC5F-1DEA-489F-8E22-812A5AD9D4C5}" type="datetimeFigureOut">
               <a:rPr lang="en-IN" smtClean="0"/>
-              <a:t>27-10-2021</a:t>
+              <a:t>16-11-2021</a:t>
             </a:fld>
             <a:endParaRPr lang="en-IN"/>
           </a:p>
@@ -2683,7 +2692,7 @@
           <a:p>
             <a:fld id="{64B2CC5F-1DEA-489F-8E22-812A5AD9D4C5}" type="datetimeFigureOut">
               <a:rPr lang="en-IN" smtClean="0"/>
-              <a:t>27-10-2021</a:t>
+              <a:t>16-11-2021</a:t>
             </a:fld>
             <a:endParaRPr lang="en-IN"/>
           </a:p>
@@ -2926,7 +2935,7 @@
           <a:p>
             <a:fld id="{64B2CC5F-1DEA-489F-8E22-812A5AD9D4C5}" type="datetimeFigureOut">
               <a:rPr lang="en-IN" smtClean="0"/>
-              <a:t>27-10-2021</a:t>
+              <a:t>16-11-2021</a:t>
             </a:fld>
             <a:endParaRPr lang="en-IN"/>
           </a:p>
@@ -3453,6 +3462,74 @@
           <a:bodyPr/>
           <a:lstStyle/>
           <a:p>
+            <a:r>
+              <a:rPr lang="en-US" dirty="0"/>
+              <a:t>What is a Thread?</a:t>
+            </a:r>
+          </a:p>
+          <a:p>
+            <a:endParaRPr lang="en-US" dirty="0"/>
+          </a:p>
+          <a:p>
+            <a:pPr lvl="1" algn="just"/>
+            <a:r>
+              <a:rPr lang="en-US" b="0" i="0" dirty="0">
+                <a:solidFill>
+                  <a:srgbClr val="333333"/>
+                </a:solidFill>
+                <a:effectLst/>
+                <a:latin typeface="inter-regular"/>
+              </a:rPr>
+              <a:t>A thread is a lightweight sub-process, the smallest unit of processing. </a:t>
+            </a:r>
+          </a:p>
+          <a:p>
+            <a:pPr lvl="1" algn="just"/>
+            <a:r>
+              <a:rPr lang="en-US" b="0" i="0" dirty="0">
+                <a:solidFill>
+                  <a:srgbClr val="333333"/>
+                </a:solidFill>
+                <a:effectLst/>
+                <a:latin typeface="inter-regular"/>
+              </a:rPr>
+              <a:t>Multiprocessing and multithreading, both are used to achieve </a:t>
+            </a:r>
+            <a:r>
+              <a:rPr lang="en-US" b="0" i="0" dirty="0" err="1">
+                <a:solidFill>
+                  <a:srgbClr val="333333"/>
+                </a:solidFill>
+                <a:effectLst/>
+                <a:latin typeface="inter-regular"/>
+              </a:rPr>
+              <a:t>multitasking.However</a:t>
+            </a:r>
+            <a:r>
+              <a:rPr lang="en-US" b="0" i="0" dirty="0">
+                <a:solidFill>
+                  <a:srgbClr val="333333"/>
+                </a:solidFill>
+                <a:effectLst/>
+                <a:latin typeface="inter-regular"/>
+              </a:rPr>
+              <a:t>, we use multithreading than multiprocessing because threads use a shared memory area. They don't allocate separate memory area so saves memory, and context-switching between the threads takes less time than process.</a:t>
+            </a:r>
+          </a:p>
+          <a:p>
+            <a:pPr lvl="1" algn="just"/>
+            <a:r>
+              <a:rPr lang="en-US" b="0" i="0" dirty="0">
+                <a:solidFill>
+                  <a:srgbClr val="333333"/>
+                </a:solidFill>
+                <a:effectLst/>
+                <a:latin typeface="inter-regular"/>
+              </a:rPr>
+              <a:t>Threads are independent. If there occurs exception in one thread, it doesn't affect other threads. It uses a shared memory area.</a:t>
+            </a:r>
+          </a:p>
+          <a:p>
             <a:endParaRPr lang="en-IN" dirty="0"/>
           </a:p>
         </p:txBody>
@@ -3461,6 +3538,4715 @@
     <p:extLst>
       <p:ext uri="{BB962C8B-B14F-4D97-AF65-F5344CB8AC3E}">
         <p14:creationId xmlns:p14="http://schemas.microsoft.com/office/powerpoint/2010/main" val="3116450608"/>
+      </p:ext>
+    </p:extLst>
+  </p:cSld>
+  <p:clrMapOvr>
+    <a:masterClrMapping/>
+  </p:clrMapOvr>
+</p:sld>
+</file>
+
+<file path=ppt/slides/slide3.xml><?xml version="1.0" encoding="utf-8"?>
+<p:sld xmlns:a="http://schemas.openxmlformats.org/drawingml/2006/main" xmlns:r="http://schemas.openxmlformats.org/officeDocument/2006/relationships" xmlns:p="http://schemas.openxmlformats.org/presentationml/2006/main">
+  <p:cSld>
+    <p:spTree>
+      <p:nvGrpSpPr>
+        <p:cNvPr id="1" name=""/>
+        <p:cNvGrpSpPr/>
+        <p:nvPr/>
+      </p:nvGrpSpPr>
+      <p:grpSpPr>
+        <a:xfrm>
+          <a:off x="0" y="0"/>
+          <a:ext cx="0" cy="0"/>
+          <a:chOff x="0" y="0"/>
+          <a:chExt cx="0" cy="0"/>
+        </a:xfrm>
+      </p:grpSpPr>
+      <p:sp>
+        <p:nvSpPr>
+          <p:cNvPr id="3" name="Content Placeholder 2">
+            <a:extLst>
+              <a:ext uri="{FF2B5EF4-FFF2-40B4-BE49-F238E27FC236}">
+                <a16:creationId xmlns:a16="http://schemas.microsoft.com/office/drawing/2014/main" id="{AE13AFAE-AEEB-448D-81C2-BEB164EEA849}"/>
+              </a:ext>
+            </a:extLst>
+          </p:cNvPr>
+          <p:cNvSpPr>
+            <a:spLocks noGrp="1"/>
+          </p:cNvSpPr>
+          <p:nvPr>
+            <p:ph idx="1"/>
+          </p:nvPr>
+        </p:nvSpPr>
+        <p:spPr>
+          <a:xfrm>
+            <a:off x="329152" y="169682"/>
+            <a:ext cx="10515600" cy="5752757"/>
+          </a:xfrm>
+        </p:spPr>
+        <p:txBody>
+          <a:bodyPr/>
+          <a:lstStyle/>
+          <a:p>
+            <a:r>
+              <a:rPr lang="en-US" dirty="0"/>
+              <a:t>Methods to create a thread:-</a:t>
+            </a:r>
+          </a:p>
+          <a:p>
+            <a:pPr lvl="1"/>
+            <a:r>
+              <a:rPr lang="en-US" dirty="0"/>
+              <a:t>By Extending the thread class</a:t>
+            </a:r>
+          </a:p>
+          <a:p>
+            <a:pPr lvl="1"/>
+            <a:r>
+              <a:rPr lang="en-US" dirty="0"/>
+              <a:t>By Implementing Runnable</a:t>
+            </a:r>
+          </a:p>
+          <a:p>
+            <a:r>
+              <a:rPr lang="en-US" dirty="0"/>
+              <a:t>1. By Extending the thread class</a:t>
+            </a:r>
+          </a:p>
+          <a:p>
+            <a:pPr lvl="1"/>
+            <a:r>
+              <a:rPr lang="en-US" dirty="0"/>
+              <a:t>We override run method here</a:t>
+            </a:r>
+          </a:p>
+          <a:p>
+            <a:pPr lvl="1"/>
+            <a:endParaRPr lang="en-US" dirty="0"/>
+          </a:p>
+        </p:txBody>
+      </p:sp>
+      <p:sp>
+        <p:nvSpPr>
+          <p:cNvPr id="4" name="Rectangle 1">
+            <a:extLst>
+              <a:ext uri="{FF2B5EF4-FFF2-40B4-BE49-F238E27FC236}">
+                <a16:creationId xmlns:a16="http://schemas.microsoft.com/office/drawing/2014/main" id="{2042518F-BDCA-4857-B05E-43EDBC1E6EC9}"/>
+              </a:ext>
+            </a:extLst>
+          </p:cNvPr>
+          <p:cNvSpPr>
+            <a:spLocks noChangeArrowheads="1"/>
+          </p:cNvSpPr>
+          <p:nvPr/>
+        </p:nvSpPr>
+        <p:spPr bwMode="auto">
+          <a:xfrm>
+            <a:off x="1055801" y="2463981"/>
+            <a:ext cx="6627044" cy="2816156"/>
+          </a:xfrm>
+          <a:prstGeom prst="rect">
+            <a:avLst/>
+          </a:prstGeom>
+          <a:solidFill>
+            <a:srgbClr val="FFFFFF"/>
+          </a:solidFill>
+          <a:ln>
+            <a:noFill/>
+          </a:ln>
+          <a:effectLst/>
+          <a:extLst>
+            <a:ext uri="{91240B29-F687-4F45-9708-019B960494DF}">
+              <a14:hiddenLine xmlns:a14="http://schemas.microsoft.com/office/drawing/2010/main" w="9525">
+                <a:solidFill>
+                  <a:schemeClr val="tx1"/>
+                </a:solidFill>
+                <a:miter lim="800000"/>
+                <a:headEnd/>
+                <a:tailEnd/>
+              </a14:hiddenLine>
+            </a:ext>
+            <a:ext uri="{AF507438-7753-43E0-B8FC-AC1667EBCBE1}">
+              <a14:hiddenEffects xmlns:a14="http://schemas.microsoft.com/office/drawing/2010/main">
+                <a:effectLst>
+                  <a:outerShdw dist="35921" dir="2700000" algn="ctr" rotWithShape="0">
+                    <a:schemeClr val="bg2"/>
+                  </a:outerShdw>
+                </a:effectLst>
+              </a14:hiddenEffects>
+            </a:ext>
+          </a:extLst>
+        </p:spPr>
+        <p:txBody>
+          <a:bodyPr vert="horz" wrap="square" lIns="0" tIns="0" rIns="0" bIns="0" numCol="1" anchor="ctr" anchorCtr="0" compatLnSpc="1">
+            <a:prstTxWarp prst="textNoShape">
+              <a:avLst/>
+            </a:prstTxWarp>
+            <a:spAutoFit/>
+          </a:bodyPr>
+          <a:lstStyle>
+            <a:lvl1pPr eaLnBrk="0" fontAlgn="base" hangingPunct="0">
+              <a:spcBef>
+                <a:spcPct val="0"/>
+              </a:spcBef>
+              <a:spcAft>
+                <a:spcPct val="0"/>
+              </a:spcAft>
+              <a:defRPr>
+                <a:solidFill>
+                  <a:schemeClr val="tx1"/>
+                </a:solidFill>
+                <a:latin typeface="Arial" panose="020B0604020202020204" pitchFamily="34" charset="0"/>
+              </a:defRPr>
+            </a:lvl1pPr>
+            <a:lvl2pPr eaLnBrk="0" fontAlgn="base" hangingPunct="0">
+              <a:spcBef>
+                <a:spcPct val="0"/>
+              </a:spcBef>
+              <a:spcAft>
+                <a:spcPct val="0"/>
+              </a:spcAft>
+              <a:defRPr>
+                <a:solidFill>
+                  <a:schemeClr val="tx1"/>
+                </a:solidFill>
+                <a:latin typeface="Arial" panose="020B0604020202020204" pitchFamily="34" charset="0"/>
+              </a:defRPr>
+            </a:lvl2pPr>
+            <a:lvl3pPr eaLnBrk="0" fontAlgn="base" hangingPunct="0">
+              <a:spcBef>
+                <a:spcPct val="0"/>
+              </a:spcBef>
+              <a:spcAft>
+                <a:spcPct val="0"/>
+              </a:spcAft>
+              <a:defRPr>
+                <a:solidFill>
+                  <a:schemeClr val="tx1"/>
+                </a:solidFill>
+                <a:latin typeface="Arial" panose="020B0604020202020204" pitchFamily="34" charset="0"/>
+              </a:defRPr>
+            </a:lvl3pPr>
+            <a:lvl4pPr eaLnBrk="0" fontAlgn="base" hangingPunct="0">
+              <a:spcBef>
+                <a:spcPct val="0"/>
+              </a:spcBef>
+              <a:spcAft>
+                <a:spcPct val="0"/>
+              </a:spcAft>
+              <a:defRPr>
+                <a:solidFill>
+                  <a:schemeClr val="tx1"/>
+                </a:solidFill>
+                <a:latin typeface="Arial" panose="020B0604020202020204" pitchFamily="34" charset="0"/>
+              </a:defRPr>
+            </a:lvl4pPr>
+            <a:lvl5pPr eaLnBrk="0" fontAlgn="base" hangingPunct="0">
+              <a:spcBef>
+                <a:spcPct val="0"/>
+              </a:spcBef>
+              <a:spcAft>
+                <a:spcPct val="0"/>
+              </a:spcAft>
+              <a:defRPr>
+                <a:solidFill>
+                  <a:schemeClr val="tx1"/>
+                </a:solidFill>
+                <a:latin typeface="Arial" panose="020B0604020202020204" pitchFamily="34" charset="0"/>
+              </a:defRPr>
+            </a:lvl5pPr>
+            <a:lvl6pPr eaLnBrk="0" fontAlgn="base" hangingPunct="0">
+              <a:spcBef>
+                <a:spcPct val="0"/>
+              </a:spcBef>
+              <a:spcAft>
+                <a:spcPct val="0"/>
+              </a:spcAft>
+              <a:defRPr>
+                <a:solidFill>
+                  <a:schemeClr val="tx1"/>
+                </a:solidFill>
+                <a:latin typeface="Arial" panose="020B0604020202020204" pitchFamily="34" charset="0"/>
+              </a:defRPr>
+            </a:lvl6pPr>
+            <a:lvl7pPr eaLnBrk="0" fontAlgn="base" hangingPunct="0">
+              <a:spcBef>
+                <a:spcPct val="0"/>
+              </a:spcBef>
+              <a:spcAft>
+                <a:spcPct val="0"/>
+              </a:spcAft>
+              <a:defRPr>
+                <a:solidFill>
+                  <a:schemeClr val="tx1"/>
+                </a:solidFill>
+                <a:latin typeface="Arial" panose="020B0604020202020204" pitchFamily="34" charset="0"/>
+              </a:defRPr>
+            </a:lvl7pPr>
+            <a:lvl8pPr eaLnBrk="0" fontAlgn="base" hangingPunct="0">
+              <a:spcBef>
+                <a:spcPct val="0"/>
+              </a:spcBef>
+              <a:spcAft>
+                <a:spcPct val="0"/>
+              </a:spcAft>
+              <a:defRPr>
+                <a:solidFill>
+                  <a:schemeClr val="tx1"/>
+                </a:solidFill>
+                <a:latin typeface="Arial" panose="020B0604020202020204" pitchFamily="34" charset="0"/>
+              </a:defRPr>
+            </a:lvl8pPr>
+            <a:lvl9pPr eaLnBrk="0" fontAlgn="base" hangingPunct="0">
+              <a:spcBef>
+                <a:spcPct val="0"/>
+              </a:spcBef>
+              <a:spcAft>
+                <a:spcPct val="0"/>
+              </a:spcAft>
+              <a:defRPr>
+                <a:solidFill>
+                  <a:schemeClr val="tx1"/>
+                </a:solidFill>
+                <a:latin typeface="Arial" panose="020B0604020202020204" pitchFamily="34" charset="0"/>
+              </a:defRPr>
+            </a:lvl9pPr>
+          </a:lstStyle>
+          <a:p>
+            <a:pPr marL="0" marR="0" lvl="0" indent="0" algn="l" defTabSz="914400" rtl="0" eaLnBrk="0" fontAlgn="base" latinLnBrk="0" hangingPunct="0">
+              <a:lnSpc>
+                <a:spcPct val="100000"/>
+              </a:lnSpc>
+              <a:spcBef>
+                <a:spcPct val="0"/>
+              </a:spcBef>
+              <a:spcAft>
+                <a:spcPct val="0"/>
+              </a:spcAft>
+              <a:buClrTx/>
+              <a:buSzTx/>
+              <a:buFontTx/>
+              <a:buNone/>
+              <a:tabLst/>
+            </a:pPr>
+            <a:r>
+              <a:rPr kumimoji="0" lang="en-US" altLang="en-US" sz="1100" b="1" i="0" u="none" strike="noStrike" cap="none" normalizeH="0" baseline="0" dirty="0">
+                <a:ln>
+                  <a:noFill/>
+                </a:ln>
+                <a:solidFill>
+                  <a:srgbClr val="006699"/>
+                </a:solidFill>
+                <a:effectLst/>
+                <a:latin typeface="Consolas" panose="020B0609020204030204" pitchFamily="49" charset="0"/>
+              </a:rPr>
+              <a:t>class</a:t>
+            </a:r>
+            <a:r>
+              <a:rPr kumimoji="0" lang="en-US" altLang="en-US" sz="800" b="0" i="0" u="none" strike="noStrike" cap="none" normalizeH="0" baseline="0" dirty="0">
+                <a:ln>
+                  <a:noFill/>
+                </a:ln>
+                <a:solidFill>
+                  <a:srgbClr val="273239"/>
+                </a:solidFill>
+                <a:effectLst/>
+                <a:latin typeface="Consolas" panose="020B0609020204030204" pitchFamily="49" charset="0"/>
+              </a:rPr>
+              <a:t> </a:t>
+            </a:r>
+            <a:r>
+              <a:rPr kumimoji="0" lang="en-US" altLang="en-US" sz="1100" b="0" i="0" u="none" strike="noStrike" cap="none" normalizeH="0" baseline="0" dirty="0" err="1">
+                <a:ln>
+                  <a:noFill/>
+                </a:ln>
+                <a:solidFill>
+                  <a:srgbClr val="000000"/>
+                </a:solidFill>
+                <a:effectLst/>
+                <a:latin typeface="Consolas" panose="020B0609020204030204" pitchFamily="49" charset="0"/>
+              </a:rPr>
+              <a:t>MultithreadingDemo</a:t>
+            </a:r>
+            <a:r>
+              <a:rPr kumimoji="0" lang="en-US" altLang="en-US" sz="1100" b="0" i="0" u="none" strike="noStrike" cap="none" normalizeH="0" baseline="0" dirty="0">
+                <a:ln>
+                  <a:noFill/>
+                </a:ln>
+                <a:solidFill>
+                  <a:srgbClr val="000000"/>
+                </a:solidFill>
+                <a:effectLst/>
+                <a:latin typeface="Consolas" panose="020B0609020204030204" pitchFamily="49" charset="0"/>
+              </a:rPr>
+              <a:t> </a:t>
+            </a:r>
+            <a:r>
+              <a:rPr kumimoji="0" lang="en-US" altLang="en-US" sz="1100" b="1" i="0" u="none" strike="noStrike" cap="none" normalizeH="0" baseline="0" dirty="0">
+                <a:ln>
+                  <a:noFill/>
+                </a:ln>
+                <a:solidFill>
+                  <a:srgbClr val="006699"/>
+                </a:solidFill>
+                <a:effectLst/>
+                <a:latin typeface="Consolas" panose="020B0609020204030204" pitchFamily="49" charset="0"/>
+              </a:rPr>
+              <a:t>extends</a:t>
+            </a:r>
+            <a:r>
+              <a:rPr kumimoji="0" lang="en-US" altLang="en-US" sz="800" b="0" i="0" u="none" strike="noStrike" cap="none" normalizeH="0" baseline="0" dirty="0">
+                <a:ln>
+                  <a:noFill/>
+                </a:ln>
+                <a:solidFill>
+                  <a:srgbClr val="273239"/>
+                </a:solidFill>
+                <a:effectLst/>
+                <a:latin typeface="Consolas" panose="020B0609020204030204" pitchFamily="49" charset="0"/>
+              </a:rPr>
+              <a:t> </a:t>
+            </a:r>
+            <a:r>
+              <a:rPr kumimoji="0" lang="en-US" altLang="en-US" sz="1100" b="0" i="0" u="none" strike="noStrike" cap="none" normalizeH="0" baseline="0" dirty="0">
+                <a:ln>
+                  <a:noFill/>
+                </a:ln>
+                <a:solidFill>
+                  <a:srgbClr val="000000"/>
+                </a:solidFill>
+                <a:effectLst/>
+                <a:latin typeface="Consolas" panose="020B0609020204030204" pitchFamily="49" charset="0"/>
+              </a:rPr>
+              <a:t>Thread {</a:t>
+            </a:r>
+            <a:endParaRPr kumimoji="0" lang="en-US" altLang="en-US" sz="800" b="0" i="0" u="none" strike="noStrike" cap="none" normalizeH="0" baseline="0" dirty="0">
+              <a:ln>
+                <a:noFill/>
+              </a:ln>
+              <a:solidFill>
+                <a:schemeClr val="tx1"/>
+              </a:solidFill>
+              <a:effectLst/>
+            </a:endParaRPr>
+          </a:p>
+          <a:p>
+            <a:pPr marL="0" marR="0" lvl="0" indent="0" algn="l" defTabSz="914400" rtl="0" eaLnBrk="0" fontAlgn="base" latinLnBrk="0" hangingPunct="0">
+              <a:lnSpc>
+                <a:spcPct val="100000"/>
+              </a:lnSpc>
+              <a:spcBef>
+                <a:spcPct val="0"/>
+              </a:spcBef>
+              <a:spcAft>
+                <a:spcPct val="0"/>
+              </a:spcAft>
+              <a:buClrTx/>
+              <a:buSzTx/>
+              <a:buFontTx/>
+              <a:buNone/>
+              <a:tabLst/>
+            </a:pPr>
+            <a:r>
+              <a:rPr kumimoji="0" lang="en-US" altLang="en-US" sz="1100" b="0" i="0" u="none" strike="noStrike" cap="none" normalizeH="0" baseline="0" dirty="0">
+                <a:ln>
+                  <a:noFill/>
+                </a:ln>
+                <a:solidFill>
+                  <a:srgbClr val="273239"/>
+                </a:solidFill>
+                <a:effectLst/>
+                <a:latin typeface="Consolas" panose="020B0609020204030204" pitchFamily="49" charset="0"/>
+              </a:rPr>
+              <a:t>    </a:t>
+            </a:r>
+            <a:r>
+              <a:rPr kumimoji="0" lang="en-US" altLang="en-US" sz="1100" b="1" i="0" u="none" strike="noStrike" cap="none" normalizeH="0" baseline="0" dirty="0">
+                <a:ln>
+                  <a:noFill/>
+                </a:ln>
+                <a:solidFill>
+                  <a:srgbClr val="006699"/>
+                </a:solidFill>
+                <a:effectLst/>
+                <a:latin typeface="Consolas" panose="020B0609020204030204" pitchFamily="49" charset="0"/>
+              </a:rPr>
+              <a:t>public</a:t>
+            </a:r>
+            <a:r>
+              <a:rPr kumimoji="0" lang="en-US" altLang="en-US" sz="800" b="0" i="0" u="none" strike="noStrike" cap="none" normalizeH="0" baseline="0" dirty="0">
+                <a:ln>
+                  <a:noFill/>
+                </a:ln>
+                <a:solidFill>
+                  <a:srgbClr val="273239"/>
+                </a:solidFill>
+                <a:effectLst/>
+                <a:latin typeface="Consolas" panose="020B0609020204030204" pitchFamily="49" charset="0"/>
+              </a:rPr>
+              <a:t> </a:t>
+            </a:r>
+            <a:r>
+              <a:rPr kumimoji="0" lang="en-US" altLang="en-US" sz="1100" b="1" i="0" u="none" strike="noStrike" cap="none" normalizeH="0" baseline="0" dirty="0">
+                <a:ln>
+                  <a:noFill/>
+                </a:ln>
+                <a:solidFill>
+                  <a:srgbClr val="006699"/>
+                </a:solidFill>
+                <a:effectLst/>
+                <a:latin typeface="Consolas" panose="020B0609020204030204" pitchFamily="49" charset="0"/>
+              </a:rPr>
+              <a:t>void</a:t>
+            </a:r>
+            <a:r>
+              <a:rPr kumimoji="0" lang="en-US" altLang="en-US" sz="800" b="0" i="0" u="none" strike="noStrike" cap="none" normalizeH="0" baseline="0" dirty="0">
+                <a:ln>
+                  <a:noFill/>
+                </a:ln>
+                <a:solidFill>
+                  <a:srgbClr val="273239"/>
+                </a:solidFill>
+                <a:effectLst/>
+                <a:latin typeface="Consolas" panose="020B0609020204030204" pitchFamily="49" charset="0"/>
+              </a:rPr>
+              <a:t> </a:t>
+            </a:r>
+            <a:r>
+              <a:rPr kumimoji="0" lang="en-US" altLang="en-US" sz="1100" b="0" i="0" u="none" strike="noStrike" cap="none" normalizeH="0" baseline="0" dirty="0">
+                <a:ln>
+                  <a:noFill/>
+                </a:ln>
+                <a:solidFill>
+                  <a:srgbClr val="000000"/>
+                </a:solidFill>
+                <a:effectLst/>
+                <a:latin typeface="Consolas" panose="020B0609020204030204" pitchFamily="49" charset="0"/>
+              </a:rPr>
+              <a:t>run()</a:t>
+            </a:r>
+            <a:endParaRPr kumimoji="0" lang="en-US" altLang="en-US" sz="800" b="0" i="0" u="none" strike="noStrike" cap="none" normalizeH="0" baseline="0" dirty="0">
+              <a:ln>
+                <a:noFill/>
+              </a:ln>
+              <a:solidFill>
+                <a:schemeClr val="tx1"/>
+              </a:solidFill>
+              <a:effectLst/>
+            </a:endParaRPr>
+          </a:p>
+          <a:p>
+            <a:pPr marL="0" marR="0" lvl="0" indent="0" algn="l" defTabSz="914400" rtl="0" eaLnBrk="0" fontAlgn="base" latinLnBrk="0" hangingPunct="0">
+              <a:lnSpc>
+                <a:spcPct val="100000"/>
+              </a:lnSpc>
+              <a:spcBef>
+                <a:spcPct val="0"/>
+              </a:spcBef>
+              <a:spcAft>
+                <a:spcPct val="0"/>
+              </a:spcAft>
+              <a:buClrTx/>
+              <a:buSzTx/>
+              <a:buFontTx/>
+              <a:buNone/>
+              <a:tabLst/>
+            </a:pPr>
+            <a:r>
+              <a:rPr kumimoji="0" lang="en-US" altLang="en-US" sz="1100" b="0" i="0" u="none" strike="noStrike" cap="none" normalizeH="0" baseline="0" dirty="0">
+                <a:ln>
+                  <a:noFill/>
+                </a:ln>
+                <a:solidFill>
+                  <a:srgbClr val="273239"/>
+                </a:solidFill>
+                <a:effectLst/>
+                <a:latin typeface="Consolas" panose="020B0609020204030204" pitchFamily="49" charset="0"/>
+              </a:rPr>
+              <a:t>    </a:t>
+            </a:r>
+            <a:r>
+              <a:rPr kumimoji="0" lang="en-US" altLang="en-US" sz="1100" b="0" i="0" u="none" strike="noStrike" cap="none" normalizeH="0" baseline="0" dirty="0">
+                <a:ln>
+                  <a:noFill/>
+                </a:ln>
+                <a:solidFill>
+                  <a:srgbClr val="000000"/>
+                </a:solidFill>
+                <a:effectLst/>
+                <a:latin typeface="Consolas" panose="020B0609020204030204" pitchFamily="49" charset="0"/>
+              </a:rPr>
+              <a:t>{</a:t>
+            </a:r>
+            <a:endParaRPr kumimoji="0" lang="en-US" altLang="en-US" sz="800" b="0" i="0" u="none" strike="noStrike" cap="none" normalizeH="0" baseline="0" dirty="0">
+              <a:ln>
+                <a:noFill/>
+              </a:ln>
+              <a:solidFill>
+                <a:schemeClr val="tx1"/>
+              </a:solidFill>
+              <a:effectLst/>
+            </a:endParaRPr>
+          </a:p>
+          <a:p>
+            <a:pPr marL="0" marR="0" lvl="0" indent="0" algn="l" defTabSz="914400" rtl="0" eaLnBrk="0" fontAlgn="base" latinLnBrk="0" hangingPunct="0">
+              <a:lnSpc>
+                <a:spcPct val="100000"/>
+              </a:lnSpc>
+              <a:spcBef>
+                <a:spcPct val="0"/>
+              </a:spcBef>
+              <a:spcAft>
+                <a:spcPct val="0"/>
+              </a:spcAft>
+              <a:buClrTx/>
+              <a:buSzTx/>
+              <a:buFontTx/>
+              <a:buNone/>
+              <a:tabLst/>
+            </a:pPr>
+            <a:r>
+              <a:rPr kumimoji="0" lang="en-US" altLang="en-US" sz="1100" b="0" i="0" u="none" strike="noStrike" cap="none" normalizeH="0" baseline="0" dirty="0">
+                <a:ln>
+                  <a:noFill/>
+                </a:ln>
+                <a:solidFill>
+                  <a:srgbClr val="273239"/>
+                </a:solidFill>
+                <a:effectLst/>
+                <a:latin typeface="Consolas" panose="020B0609020204030204" pitchFamily="49" charset="0"/>
+              </a:rPr>
+              <a:t>        </a:t>
+            </a:r>
+            <a:r>
+              <a:rPr kumimoji="0" lang="en-US" altLang="en-US" sz="1100" b="1" i="0" u="none" strike="noStrike" cap="none" normalizeH="0" baseline="0" dirty="0">
+                <a:ln>
+                  <a:noFill/>
+                </a:ln>
+                <a:solidFill>
+                  <a:srgbClr val="006699"/>
+                </a:solidFill>
+                <a:effectLst/>
+                <a:latin typeface="Consolas" panose="020B0609020204030204" pitchFamily="49" charset="0"/>
+              </a:rPr>
+              <a:t>try</a:t>
+            </a:r>
+            <a:r>
+              <a:rPr kumimoji="0" lang="en-US" altLang="en-US" sz="800" b="0" i="0" u="none" strike="noStrike" cap="none" normalizeH="0" baseline="0" dirty="0">
+                <a:ln>
+                  <a:noFill/>
+                </a:ln>
+                <a:solidFill>
+                  <a:srgbClr val="273239"/>
+                </a:solidFill>
+                <a:effectLst/>
+                <a:latin typeface="Consolas" panose="020B0609020204030204" pitchFamily="49" charset="0"/>
+              </a:rPr>
+              <a:t> </a:t>
+            </a:r>
+            <a:r>
+              <a:rPr kumimoji="0" lang="en-US" altLang="en-US" sz="1100" b="0" i="0" u="none" strike="noStrike" cap="none" normalizeH="0" baseline="0" dirty="0">
+                <a:ln>
+                  <a:noFill/>
+                </a:ln>
+                <a:solidFill>
+                  <a:srgbClr val="000000"/>
+                </a:solidFill>
+                <a:effectLst/>
+                <a:latin typeface="Consolas" panose="020B0609020204030204" pitchFamily="49" charset="0"/>
+              </a:rPr>
+              <a:t>{</a:t>
+            </a:r>
+            <a:endParaRPr kumimoji="0" lang="en-US" altLang="en-US" sz="800" b="0" i="0" u="none" strike="noStrike" cap="none" normalizeH="0" baseline="0" dirty="0">
+              <a:ln>
+                <a:noFill/>
+              </a:ln>
+              <a:solidFill>
+                <a:schemeClr val="tx1"/>
+              </a:solidFill>
+              <a:effectLst/>
+            </a:endParaRPr>
+          </a:p>
+          <a:p>
+            <a:pPr marL="0" marR="0" lvl="0" indent="0" algn="l" defTabSz="914400" rtl="0" eaLnBrk="0" fontAlgn="base" latinLnBrk="0" hangingPunct="0">
+              <a:lnSpc>
+                <a:spcPct val="100000"/>
+              </a:lnSpc>
+              <a:spcBef>
+                <a:spcPct val="0"/>
+              </a:spcBef>
+              <a:spcAft>
+                <a:spcPct val="0"/>
+              </a:spcAft>
+              <a:buClrTx/>
+              <a:buSzTx/>
+              <a:buFontTx/>
+              <a:buNone/>
+              <a:tabLst/>
+            </a:pPr>
+            <a:r>
+              <a:rPr kumimoji="0" lang="en-US" altLang="en-US" sz="1100" b="0" i="0" u="none" strike="noStrike" cap="none" normalizeH="0" baseline="0" dirty="0">
+                <a:ln>
+                  <a:noFill/>
+                </a:ln>
+                <a:solidFill>
+                  <a:srgbClr val="273239"/>
+                </a:solidFill>
+                <a:effectLst/>
+                <a:latin typeface="Consolas" panose="020B0609020204030204" pitchFamily="49" charset="0"/>
+              </a:rPr>
+              <a:t>            </a:t>
+            </a:r>
+            <a:r>
+              <a:rPr kumimoji="0" lang="en-US" altLang="en-US" sz="1100" b="0" i="0" u="none" strike="noStrike" cap="none" normalizeH="0" baseline="0" dirty="0">
+                <a:ln>
+                  <a:noFill/>
+                </a:ln>
+                <a:solidFill>
+                  <a:srgbClr val="008200"/>
+                </a:solidFill>
+                <a:effectLst/>
+                <a:latin typeface="Consolas" panose="020B0609020204030204" pitchFamily="49" charset="0"/>
+              </a:rPr>
+              <a:t>// Displaying the thread that is running</a:t>
+            </a:r>
+            <a:endParaRPr kumimoji="0" lang="en-US" altLang="en-US" sz="800" b="0" i="0" u="none" strike="noStrike" cap="none" normalizeH="0" baseline="0" dirty="0">
+              <a:ln>
+                <a:noFill/>
+              </a:ln>
+              <a:solidFill>
+                <a:schemeClr val="tx1"/>
+              </a:solidFill>
+              <a:effectLst/>
+            </a:endParaRPr>
+          </a:p>
+          <a:p>
+            <a:pPr marL="0" marR="0" lvl="0" indent="0" algn="l" defTabSz="914400" rtl="0" eaLnBrk="0" fontAlgn="base" latinLnBrk="0" hangingPunct="0">
+              <a:lnSpc>
+                <a:spcPct val="100000"/>
+              </a:lnSpc>
+              <a:spcBef>
+                <a:spcPct val="0"/>
+              </a:spcBef>
+              <a:spcAft>
+                <a:spcPct val="0"/>
+              </a:spcAft>
+              <a:buClrTx/>
+              <a:buSzTx/>
+              <a:buFontTx/>
+              <a:buNone/>
+              <a:tabLst/>
+            </a:pPr>
+            <a:r>
+              <a:rPr kumimoji="0" lang="en-US" altLang="en-US" sz="1100" b="0" i="0" u="none" strike="noStrike" cap="none" normalizeH="0" baseline="0" dirty="0">
+                <a:ln>
+                  <a:noFill/>
+                </a:ln>
+                <a:solidFill>
+                  <a:srgbClr val="273239"/>
+                </a:solidFill>
+                <a:effectLst/>
+                <a:latin typeface="Consolas" panose="020B0609020204030204" pitchFamily="49" charset="0"/>
+              </a:rPr>
+              <a:t>            </a:t>
+            </a:r>
+            <a:r>
+              <a:rPr kumimoji="0" lang="en-US" altLang="en-US" sz="1100" b="0" i="0" u="none" strike="noStrike" cap="none" normalizeH="0" baseline="0" dirty="0" err="1">
+                <a:ln>
+                  <a:noFill/>
+                </a:ln>
+                <a:solidFill>
+                  <a:srgbClr val="000000"/>
+                </a:solidFill>
+                <a:effectLst/>
+                <a:latin typeface="Consolas" panose="020B0609020204030204" pitchFamily="49" charset="0"/>
+              </a:rPr>
+              <a:t>System.out.println</a:t>
+            </a:r>
+            <a:r>
+              <a:rPr kumimoji="0" lang="en-US" altLang="en-US" sz="1100" b="0" i="0" u="none" strike="noStrike" cap="none" normalizeH="0" baseline="0" dirty="0">
+                <a:ln>
+                  <a:noFill/>
+                </a:ln>
+                <a:solidFill>
+                  <a:srgbClr val="000000"/>
+                </a:solidFill>
+                <a:effectLst/>
+                <a:latin typeface="Consolas" panose="020B0609020204030204" pitchFamily="49" charset="0"/>
+              </a:rPr>
+              <a:t>(</a:t>
+            </a:r>
+            <a:endParaRPr kumimoji="0" lang="en-US" altLang="en-US" sz="800" b="0" i="0" u="none" strike="noStrike" cap="none" normalizeH="0" baseline="0" dirty="0">
+              <a:ln>
+                <a:noFill/>
+              </a:ln>
+              <a:solidFill>
+                <a:schemeClr val="tx1"/>
+              </a:solidFill>
+              <a:effectLst/>
+            </a:endParaRPr>
+          </a:p>
+          <a:p>
+            <a:pPr marL="0" marR="0" lvl="0" indent="0" algn="l" defTabSz="914400" rtl="0" eaLnBrk="0" fontAlgn="base" latinLnBrk="0" hangingPunct="0">
+              <a:lnSpc>
+                <a:spcPct val="100000"/>
+              </a:lnSpc>
+              <a:spcBef>
+                <a:spcPct val="0"/>
+              </a:spcBef>
+              <a:spcAft>
+                <a:spcPct val="0"/>
+              </a:spcAft>
+              <a:buClrTx/>
+              <a:buSzTx/>
+              <a:buFontTx/>
+              <a:buNone/>
+              <a:tabLst/>
+            </a:pPr>
+            <a:r>
+              <a:rPr kumimoji="0" lang="en-US" altLang="en-US" sz="1100" b="0" i="0" u="none" strike="noStrike" cap="none" normalizeH="0" baseline="0" dirty="0">
+                <a:ln>
+                  <a:noFill/>
+                </a:ln>
+                <a:solidFill>
+                  <a:srgbClr val="273239"/>
+                </a:solidFill>
+                <a:effectLst/>
+                <a:latin typeface="Consolas" panose="020B0609020204030204" pitchFamily="49" charset="0"/>
+              </a:rPr>
+              <a:t>                </a:t>
+            </a:r>
+            <a:r>
+              <a:rPr kumimoji="0" lang="en-US" altLang="en-US" sz="1100" b="0" i="0" u="none" strike="noStrike" cap="none" normalizeH="0" baseline="0" dirty="0">
+                <a:ln>
+                  <a:noFill/>
+                </a:ln>
+                <a:solidFill>
+                  <a:srgbClr val="0000FF"/>
+                </a:solidFill>
+                <a:effectLst/>
+                <a:latin typeface="Consolas" panose="020B0609020204030204" pitchFamily="49" charset="0"/>
+              </a:rPr>
+              <a:t>"Thread "</a:t>
+            </a:r>
+            <a:r>
+              <a:rPr kumimoji="0" lang="en-US" altLang="en-US" sz="800" b="0" i="0" u="none" strike="noStrike" cap="none" normalizeH="0" baseline="0" dirty="0">
+                <a:ln>
+                  <a:noFill/>
+                </a:ln>
+                <a:solidFill>
+                  <a:srgbClr val="273239"/>
+                </a:solidFill>
+                <a:effectLst/>
+                <a:latin typeface="Consolas" panose="020B0609020204030204" pitchFamily="49" charset="0"/>
+              </a:rPr>
+              <a:t> </a:t>
+            </a:r>
+            <a:r>
+              <a:rPr kumimoji="0" lang="en-US" altLang="en-US" sz="1100" b="0" i="0" u="none" strike="noStrike" cap="none" normalizeH="0" baseline="0" dirty="0">
+                <a:ln>
+                  <a:noFill/>
+                </a:ln>
+                <a:solidFill>
+                  <a:srgbClr val="000000"/>
+                </a:solidFill>
+                <a:effectLst/>
+                <a:latin typeface="Consolas" panose="020B0609020204030204" pitchFamily="49" charset="0"/>
+              </a:rPr>
+              <a:t>+ </a:t>
+            </a:r>
+            <a:r>
+              <a:rPr kumimoji="0" lang="en-US" altLang="en-US" sz="1100" b="0" i="0" u="none" strike="noStrike" cap="none" normalizeH="0" baseline="0" dirty="0" err="1">
+                <a:ln>
+                  <a:noFill/>
+                </a:ln>
+                <a:solidFill>
+                  <a:srgbClr val="000000"/>
+                </a:solidFill>
+                <a:effectLst/>
+                <a:latin typeface="Consolas" panose="020B0609020204030204" pitchFamily="49" charset="0"/>
+              </a:rPr>
+              <a:t>Thread.currentThread</a:t>
+            </a:r>
+            <a:r>
+              <a:rPr kumimoji="0" lang="en-US" altLang="en-US" sz="1100" b="0" i="0" u="none" strike="noStrike" cap="none" normalizeH="0" baseline="0" dirty="0">
+                <a:ln>
+                  <a:noFill/>
+                </a:ln>
+                <a:solidFill>
+                  <a:srgbClr val="000000"/>
+                </a:solidFill>
+                <a:effectLst/>
+                <a:latin typeface="Consolas" panose="020B0609020204030204" pitchFamily="49" charset="0"/>
+              </a:rPr>
+              <a:t>().</a:t>
+            </a:r>
+            <a:r>
+              <a:rPr kumimoji="0" lang="en-US" altLang="en-US" sz="1100" b="0" i="0" u="none" strike="noStrike" cap="none" normalizeH="0" baseline="0" dirty="0" err="1">
+                <a:ln>
+                  <a:noFill/>
+                </a:ln>
+                <a:solidFill>
+                  <a:srgbClr val="000000"/>
+                </a:solidFill>
+                <a:effectLst/>
+                <a:latin typeface="Consolas" panose="020B0609020204030204" pitchFamily="49" charset="0"/>
+              </a:rPr>
+              <a:t>getId</a:t>
+            </a:r>
+            <a:r>
+              <a:rPr kumimoji="0" lang="en-US" altLang="en-US" sz="1100" b="0" i="0" u="none" strike="noStrike" cap="none" normalizeH="0" baseline="0" dirty="0">
+                <a:ln>
+                  <a:noFill/>
+                </a:ln>
+                <a:solidFill>
+                  <a:srgbClr val="000000"/>
+                </a:solidFill>
+                <a:effectLst/>
+                <a:latin typeface="Consolas" panose="020B0609020204030204" pitchFamily="49" charset="0"/>
+              </a:rPr>
+              <a:t>()</a:t>
+            </a:r>
+            <a:endParaRPr kumimoji="0" lang="en-US" altLang="en-US" sz="800" b="0" i="0" u="none" strike="noStrike" cap="none" normalizeH="0" baseline="0" dirty="0">
+              <a:ln>
+                <a:noFill/>
+              </a:ln>
+              <a:solidFill>
+                <a:schemeClr val="tx1"/>
+              </a:solidFill>
+              <a:effectLst/>
+            </a:endParaRPr>
+          </a:p>
+          <a:p>
+            <a:pPr marL="0" marR="0" lvl="0" indent="0" algn="l" defTabSz="914400" rtl="0" eaLnBrk="0" fontAlgn="base" latinLnBrk="0" hangingPunct="0">
+              <a:lnSpc>
+                <a:spcPct val="100000"/>
+              </a:lnSpc>
+              <a:spcBef>
+                <a:spcPct val="0"/>
+              </a:spcBef>
+              <a:spcAft>
+                <a:spcPct val="0"/>
+              </a:spcAft>
+              <a:buClrTx/>
+              <a:buSzTx/>
+              <a:buFontTx/>
+              <a:buNone/>
+              <a:tabLst/>
+            </a:pPr>
+            <a:r>
+              <a:rPr kumimoji="0" lang="en-US" altLang="en-US" sz="1100" b="0" i="0" u="none" strike="noStrike" cap="none" normalizeH="0" baseline="0" dirty="0">
+                <a:ln>
+                  <a:noFill/>
+                </a:ln>
+                <a:solidFill>
+                  <a:srgbClr val="273239"/>
+                </a:solidFill>
+                <a:effectLst/>
+                <a:latin typeface="Consolas" panose="020B0609020204030204" pitchFamily="49" charset="0"/>
+              </a:rPr>
+              <a:t>                </a:t>
+            </a:r>
+            <a:r>
+              <a:rPr kumimoji="0" lang="en-US" altLang="en-US" sz="1100" b="0" i="0" u="none" strike="noStrike" cap="none" normalizeH="0" baseline="0" dirty="0">
+                <a:ln>
+                  <a:noFill/>
+                </a:ln>
+                <a:solidFill>
+                  <a:srgbClr val="000000"/>
+                </a:solidFill>
+                <a:effectLst/>
+                <a:latin typeface="Consolas" panose="020B0609020204030204" pitchFamily="49" charset="0"/>
+              </a:rPr>
+              <a:t>+ </a:t>
+            </a:r>
+            <a:r>
+              <a:rPr kumimoji="0" lang="en-US" altLang="en-US" sz="1100" b="0" i="0" u="none" strike="noStrike" cap="none" normalizeH="0" baseline="0" dirty="0">
+                <a:ln>
+                  <a:noFill/>
+                </a:ln>
+                <a:solidFill>
+                  <a:srgbClr val="0000FF"/>
+                </a:solidFill>
+                <a:effectLst/>
+                <a:latin typeface="Consolas" panose="020B0609020204030204" pitchFamily="49" charset="0"/>
+              </a:rPr>
+              <a:t>" is running"</a:t>
+            </a:r>
+            <a:r>
+              <a:rPr kumimoji="0" lang="en-US" altLang="en-US" sz="1100" b="0" i="0" u="none" strike="noStrike" cap="none" normalizeH="0" baseline="0" dirty="0">
+                <a:ln>
+                  <a:noFill/>
+                </a:ln>
+                <a:solidFill>
+                  <a:srgbClr val="000000"/>
+                </a:solidFill>
+                <a:effectLst/>
+                <a:latin typeface="Consolas" panose="020B0609020204030204" pitchFamily="49" charset="0"/>
+              </a:rPr>
+              <a:t>);</a:t>
+            </a:r>
+            <a:endParaRPr kumimoji="0" lang="en-US" altLang="en-US" sz="800" b="0" i="0" u="none" strike="noStrike" cap="none" normalizeH="0" baseline="0" dirty="0">
+              <a:ln>
+                <a:noFill/>
+              </a:ln>
+              <a:solidFill>
+                <a:schemeClr val="tx1"/>
+              </a:solidFill>
+              <a:effectLst/>
+            </a:endParaRPr>
+          </a:p>
+          <a:p>
+            <a:pPr marL="0" marR="0" lvl="0" indent="0" algn="l" defTabSz="914400" rtl="0" eaLnBrk="0" fontAlgn="base" latinLnBrk="0" hangingPunct="0">
+              <a:lnSpc>
+                <a:spcPct val="100000"/>
+              </a:lnSpc>
+              <a:spcBef>
+                <a:spcPct val="0"/>
+              </a:spcBef>
+              <a:spcAft>
+                <a:spcPct val="0"/>
+              </a:spcAft>
+              <a:buClrTx/>
+              <a:buSzTx/>
+              <a:buFontTx/>
+              <a:buNone/>
+              <a:tabLst/>
+            </a:pPr>
+            <a:r>
+              <a:rPr kumimoji="0" lang="en-US" altLang="en-US" sz="1100" b="0" i="0" u="none" strike="noStrike" cap="none" normalizeH="0" baseline="0" dirty="0">
+                <a:ln>
+                  <a:noFill/>
+                </a:ln>
+                <a:solidFill>
+                  <a:srgbClr val="273239"/>
+                </a:solidFill>
+                <a:effectLst/>
+                <a:latin typeface="Consolas" panose="020B0609020204030204" pitchFamily="49" charset="0"/>
+              </a:rPr>
+              <a:t>        </a:t>
+            </a:r>
+            <a:r>
+              <a:rPr kumimoji="0" lang="en-US" altLang="en-US" sz="1100" b="0" i="0" u="none" strike="noStrike" cap="none" normalizeH="0" baseline="0" dirty="0">
+                <a:ln>
+                  <a:noFill/>
+                </a:ln>
+                <a:solidFill>
+                  <a:srgbClr val="000000"/>
+                </a:solidFill>
+                <a:effectLst/>
+                <a:latin typeface="Consolas" panose="020B0609020204030204" pitchFamily="49" charset="0"/>
+              </a:rPr>
+              <a:t>}</a:t>
+            </a:r>
+            <a:endParaRPr kumimoji="0" lang="en-US" altLang="en-US" sz="800" b="0" i="0" u="none" strike="noStrike" cap="none" normalizeH="0" baseline="0" dirty="0">
+              <a:ln>
+                <a:noFill/>
+              </a:ln>
+              <a:solidFill>
+                <a:schemeClr val="tx1"/>
+              </a:solidFill>
+              <a:effectLst/>
+            </a:endParaRPr>
+          </a:p>
+          <a:p>
+            <a:pPr marL="0" marR="0" lvl="0" indent="0" algn="l" defTabSz="914400" rtl="0" eaLnBrk="0" fontAlgn="base" latinLnBrk="0" hangingPunct="0">
+              <a:lnSpc>
+                <a:spcPct val="100000"/>
+              </a:lnSpc>
+              <a:spcBef>
+                <a:spcPct val="0"/>
+              </a:spcBef>
+              <a:spcAft>
+                <a:spcPct val="0"/>
+              </a:spcAft>
+              <a:buClrTx/>
+              <a:buSzTx/>
+              <a:buFontTx/>
+              <a:buNone/>
+              <a:tabLst/>
+            </a:pPr>
+            <a:r>
+              <a:rPr kumimoji="0" lang="en-US" altLang="en-US" sz="1100" b="0" i="0" u="none" strike="noStrike" cap="none" normalizeH="0" baseline="0" dirty="0">
+                <a:ln>
+                  <a:noFill/>
+                </a:ln>
+                <a:solidFill>
+                  <a:srgbClr val="273239"/>
+                </a:solidFill>
+                <a:effectLst/>
+                <a:latin typeface="Consolas" panose="020B0609020204030204" pitchFamily="49" charset="0"/>
+              </a:rPr>
+              <a:t>        </a:t>
+            </a:r>
+            <a:r>
+              <a:rPr kumimoji="0" lang="en-US" altLang="en-US" sz="1100" b="1" i="0" u="none" strike="noStrike" cap="none" normalizeH="0" baseline="0" dirty="0">
+                <a:ln>
+                  <a:noFill/>
+                </a:ln>
+                <a:solidFill>
+                  <a:srgbClr val="006699"/>
+                </a:solidFill>
+                <a:effectLst/>
+                <a:latin typeface="Consolas" panose="020B0609020204030204" pitchFamily="49" charset="0"/>
+              </a:rPr>
+              <a:t>catch</a:t>
+            </a:r>
+            <a:r>
+              <a:rPr kumimoji="0" lang="en-US" altLang="en-US" sz="800" b="0" i="0" u="none" strike="noStrike" cap="none" normalizeH="0" baseline="0" dirty="0">
+                <a:ln>
+                  <a:noFill/>
+                </a:ln>
+                <a:solidFill>
+                  <a:srgbClr val="273239"/>
+                </a:solidFill>
+                <a:effectLst/>
+                <a:latin typeface="Consolas" panose="020B0609020204030204" pitchFamily="49" charset="0"/>
+              </a:rPr>
+              <a:t> </a:t>
+            </a:r>
+            <a:r>
+              <a:rPr kumimoji="0" lang="en-US" altLang="en-US" sz="1100" b="0" i="0" u="none" strike="noStrike" cap="none" normalizeH="0" baseline="0" dirty="0">
+                <a:ln>
+                  <a:noFill/>
+                </a:ln>
+                <a:solidFill>
+                  <a:srgbClr val="000000"/>
+                </a:solidFill>
+                <a:effectLst/>
+                <a:latin typeface="Consolas" panose="020B0609020204030204" pitchFamily="49" charset="0"/>
+              </a:rPr>
+              <a:t>(Exception e) {</a:t>
+            </a:r>
+            <a:endParaRPr kumimoji="0" lang="en-US" altLang="en-US" sz="800" b="0" i="0" u="none" strike="noStrike" cap="none" normalizeH="0" baseline="0" dirty="0">
+              <a:ln>
+                <a:noFill/>
+              </a:ln>
+              <a:solidFill>
+                <a:schemeClr val="tx1"/>
+              </a:solidFill>
+              <a:effectLst/>
+            </a:endParaRPr>
+          </a:p>
+          <a:p>
+            <a:pPr marL="0" marR="0" lvl="0" indent="0" algn="l" defTabSz="914400" rtl="0" eaLnBrk="0" fontAlgn="base" latinLnBrk="0" hangingPunct="0">
+              <a:lnSpc>
+                <a:spcPct val="100000"/>
+              </a:lnSpc>
+              <a:spcBef>
+                <a:spcPct val="0"/>
+              </a:spcBef>
+              <a:spcAft>
+                <a:spcPct val="0"/>
+              </a:spcAft>
+              <a:buClrTx/>
+              <a:buSzTx/>
+              <a:buFontTx/>
+              <a:buNone/>
+              <a:tabLst/>
+            </a:pPr>
+            <a:r>
+              <a:rPr kumimoji="0" lang="en-US" altLang="en-US" sz="1100" b="0" i="0" u="none" strike="noStrike" cap="none" normalizeH="0" baseline="0" dirty="0">
+                <a:ln>
+                  <a:noFill/>
+                </a:ln>
+                <a:solidFill>
+                  <a:srgbClr val="273239"/>
+                </a:solidFill>
+                <a:effectLst/>
+                <a:latin typeface="Consolas" panose="020B0609020204030204" pitchFamily="49" charset="0"/>
+              </a:rPr>
+              <a:t>            </a:t>
+            </a:r>
+            <a:r>
+              <a:rPr kumimoji="0" lang="en-US" altLang="en-US" sz="1100" b="0" i="0" u="none" strike="noStrike" cap="none" normalizeH="0" baseline="0" dirty="0">
+                <a:ln>
+                  <a:noFill/>
+                </a:ln>
+                <a:solidFill>
+                  <a:srgbClr val="008200"/>
+                </a:solidFill>
+                <a:effectLst/>
+                <a:latin typeface="Consolas" panose="020B0609020204030204" pitchFamily="49" charset="0"/>
+              </a:rPr>
+              <a:t>// Throwing an exception</a:t>
+            </a:r>
+            <a:endParaRPr kumimoji="0" lang="en-US" altLang="en-US" sz="800" b="0" i="0" u="none" strike="noStrike" cap="none" normalizeH="0" baseline="0" dirty="0">
+              <a:ln>
+                <a:noFill/>
+              </a:ln>
+              <a:solidFill>
+                <a:schemeClr val="tx1"/>
+              </a:solidFill>
+              <a:effectLst/>
+            </a:endParaRPr>
+          </a:p>
+          <a:p>
+            <a:pPr marL="0" marR="0" lvl="0" indent="0" algn="l" defTabSz="914400" rtl="0" eaLnBrk="0" fontAlgn="base" latinLnBrk="0" hangingPunct="0">
+              <a:lnSpc>
+                <a:spcPct val="100000"/>
+              </a:lnSpc>
+              <a:spcBef>
+                <a:spcPct val="0"/>
+              </a:spcBef>
+              <a:spcAft>
+                <a:spcPct val="0"/>
+              </a:spcAft>
+              <a:buClrTx/>
+              <a:buSzTx/>
+              <a:buFontTx/>
+              <a:buNone/>
+              <a:tabLst/>
+            </a:pPr>
+            <a:r>
+              <a:rPr kumimoji="0" lang="en-US" altLang="en-US" sz="1100" b="0" i="0" u="none" strike="noStrike" cap="none" normalizeH="0" baseline="0" dirty="0">
+                <a:ln>
+                  <a:noFill/>
+                </a:ln>
+                <a:solidFill>
+                  <a:srgbClr val="273239"/>
+                </a:solidFill>
+                <a:effectLst/>
+                <a:latin typeface="Consolas" panose="020B0609020204030204" pitchFamily="49" charset="0"/>
+              </a:rPr>
+              <a:t>            </a:t>
+            </a:r>
+            <a:r>
+              <a:rPr kumimoji="0" lang="en-US" altLang="en-US" sz="1100" b="0" i="0" u="none" strike="noStrike" cap="none" normalizeH="0" baseline="0" dirty="0" err="1">
+                <a:ln>
+                  <a:noFill/>
+                </a:ln>
+                <a:solidFill>
+                  <a:srgbClr val="000000"/>
+                </a:solidFill>
+                <a:effectLst/>
+                <a:latin typeface="Consolas" panose="020B0609020204030204" pitchFamily="49" charset="0"/>
+              </a:rPr>
+              <a:t>System.out.println</a:t>
+            </a:r>
+            <a:r>
+              <a:rPr kumimoji="0" lang="en-US" altLang="en-US" sz="1100" b="0" i="0" u="none" strike="noStrike" cap="none" normalizeH="0" baseline="0" dirty="0">
+                <a:ln>
+                  <a:noFill/>
+                </a:ln>
+                <a:solidFill>
+                  <a:srgbClr val="000000"/>
+                </a:solidFill>
+                <a:effectLst/>
+                <a:latin typeface="Consolas" panose="020B0609020204030204" pitchFamily="49" charset="0"/>
+              </a:rPr>
+              <a:t>(</a:t>
+            </a:r>
+            <a:r>
+              <a:rPr kumimoji="0" lang="en-US" altLang="en-US" sz="1100" b="0" i="0" u="none" strike="noStrike" cap="none" normalizeH="0" baseline="0" dirty="0">
+                <a:ln>
+                  <a:noFill/>
+                </a:ln>
+                <a:solidFill>
+                  <a:srgbClr val="0000FF"/>
+                </a:solidFill>
+                <a:effectLst/>
+                <a:latin typeface="Consolas" panose="020B0609020204030204" pitchFamily="49" charset="0"/>
+              </a:rPr>
+              <a:t>"Exception is caught"</a:t>
+            </a:r>
+            <a:r>
+              <a:rPr kumimoji="0" lang="en-US" altLang="en-US" sz="1100" b="0" i="0" u="none" strike="noStrike" cap="none" normalizeH="0" baseline="0" dirty="0">
+                <a:ln>
+                  <a:noFill/>
+                </a:ln>
+                <a:solidFill>
+                  <a:srgbClr val="000000"/>
+                </a:solidFill>
+                <a:effectLst/>
+                <a:latin typeface="Consolas" panose="020B0609020204030204" pitchFamily="49" charset="0"/>
+              </a:rPr>
+              <a:t>);</a:t>
+            </a:r>
+            <a:endParaRPr kumimoji="0" lang="en-US" altLang="en-US" sz="800" b="0" i="0" u="none" strike="noStrike" cap="none" normalizeH="0" baseline="0" dirty="0">
+              <a:ln>
+                <a:noFill/>
+              </a:ln>
+              <a:solidFill>
+                <a:schemeClr val="tx1"/>
+              </a:solidFill>
+              <a:effectLst/>
+            </a:endParaRPr>
+          </a:p>
+          <a:p>
+            <a:pPr marL="0" marR="0" lvl="0" indent="0" algn="l" defTabSz="914400" rtl="0" eaLnBrk="0" fontAlgn="base" latinLnBrk="0" hangingPunct="0">
+              <a:lnSpc>
+                <a:spcPct val="100000"/>
+              </a:lnSpc>
+              <a:spcBef>
+                <a:spcPct val="0"/>
+              </a:spcBef>
+              <a:spcAft>
+                <a:spcPct val="0"/>
+              </a:spcAft>
+              <a:buClrTx/>
+              <a:buSzTx/>
+              <a:buFontTx/>
+              <a:buNone/>
+              <a:tabLst/>
+            </a:pPr>
+            <a:r>
+              <a:rPr kumimoji="0" lang="en-US" altLang="en-US" sz="1100" b="0" i="0" u="none" strike="noStrike" cap="none" normalizeH="0" baseline="0" dirty="0">
+                <a:ln>
+                  <a:noFill/>
+                </a:ln>
+                <a:solidFill>
+                  <a:srgbClr val="273239"/>
+                </a:solidFill>
+                <a:effectLst/>
+                <a:latin typeface="Consolas" panose="020B0609020204030204" pitchFamily="49" charset="0"/>
+              </a:rPr>
+              <a:t>        </a:t>
+            </a:r>
+            <a:r>
+              <a:rPr kumimoji="0" lang="en-US" altLang="en-US" sz="1100" b="0" i="0" u="none" strike="noStrike" cap="none" normalizeH="0" baseline="0" dirty="0">
+                <a:ln>
+                  <a:noFill/>
+                </a:ln>
+                <a:solidFill>
+                  <a:srgbClr val="000000"/>
+                </a:solidFill>
+                <a:effectLst/>
+                <a:latin typeface="Consolas" panose="020B0609020204030204" pitchFamily="49" charset="0"/>
+              </a:rPr>
+              <a:t>}</a:t>
+            </a:r>
+            <a:endParaRPr kumimoji="0" lang="en-US" altLang="en-US" sz="800" b="0" i="0" u="none" strike="noStrike" cap="none" normalizeH="0" baseline="0" dirty="0">
+              <a:ln>
+                <a:noFill/>
+              </a:ln>
+              <a:solidFill>
+                <a:schemeClr val="tx1"/>
+              </a:solidFill>
+              <a:effectLst/>
+            </a:endParaRPr>
+          </a:p>
+          <a:p>
+            <a:pPr marL="0" marR="0" lvl="0" indent="0" algn="l" defTabSz="914400" rtl="0" eaLnBrk="0" fontAlgn="base" latinLnBrk="0" hangingPunct="0">
+              <a:lnSpc>
+                <a:spcPct val="100000"/>
+              </a:lnSpc>
+              <a:spcBef>
+                <a:spcPct val="0"/>
+              </a:spcBef>
+              <a:spcAft>
+                <a:spcPct val="0"/>
+              </a:spcAft>
+              <a:buClrTx/>
+              <a:buSzTx/>
+              <a:buFontTx/>
+              <a:buNone/>
+              <a:tabLst/>
+            </a:pPr>
+            <a:r>
+              <a:rPr kumimoji="0" lang="en-US" altLang="en-US" sz="1100" b="0" i="0" u="none" strike="noStrike" cap="none" normalizeH="0" baseline="0" dirty="0">
+                <a:ln>
+                  <a:noFill/>
+                </a:ln>
+                <a:solidFill>
+                  <a:srgbClr val="273239"/>
+                </a:solidFill>
+                <a:effectLst/>
+                <a:latin typeface="Consolas" panose="020B0609020204030204" pitchFamily="49" charset="0"/>
+              </a:rPr>
+              <a:t>    </a:t>
+            </a:r>
+            <a:r>
+              <a:rPr kumimoji="0" lang="en-US" altLang="en-US" sz="1100" b="0" i="0" u="none" strike="noStrike" cap="none" normalizeH="0" baseline="0" dirty="0">
+                <a:ln>
+                  <a:noFill/>
+                </a:ln>
+                <a:solidFill>
+                  <a:srgbClr val="000000"/>
+                </a:solidFill>
+                <a:effectLst/>
+                <a:latin typeface="Consolas" panose="020B0609020204030204" pitchFamily="49" charset="0"/>
+              </a:rPr>
+              <a:t>}</a:t>
+            </a:r>
+            <a:endParaRPr kumimoji="0" lang="en-US" altLang="en-US" sz="800" b="0" i="0" u="none" strike="noStrike" cap="none" normalizeH="0" baseline="0" dirty="0">
+              <a:ln>
+                <a:noFill/>
+              </a:ln>
+              <a:solidFill>
+                <a:schemeClr val="tx1"/>
+              </a:solidFill>
+              <a:effectLst/>
+            </a:endParaRPr>
+          </a:p>
+          <a:p>
+            <a:pPr marL="0" marR="0" lvl="0" indent="0" algn="l" defTabSz="914400" rtl="0" eaLnBrk="0" fontAlgn="base" latinLnBrk="0" hangingPunct="0">
+              <a:lnSpc>
+                <a:spcPct val="100000"/>
+              </a:lnSpc>
+              <a:spcBef>
+                <a:spcPct val="0"/>
+              </a:spcBef>
+              <a:spcAft>
+                <a:spcPct val="0"/>
+              </a:spcAft>
+              <a:buClrTx/>
+              <a:buSzTx/>
+              <a:buFontTx/>
+              <a:buNone/>
+              <a:tabLst/>
+            </a:pPr>
+            <a:r>
+              <a:rPr kumimoji="0" lang="en-US" altLang="en-US" sz="1100" b="0" i="0" u="none" strike="noStrike" cap="none" normalizeH="0" baseline="0" dirty="0">
+                <a:ln>
+                  <a:noFill/>
+                </a:ln>
+                <a:solidFill>
+                  <a:srgbClr val="000000"/>
+                </a:solidFill>
+                <a:effectLst/>
+                <a:latin typeface="Consolas" panose="020B0609020204030204" pitchFamily="49" charset="0"/>
+              </a:rPr>
+              <a:t>}</a:t>
+            </a:r>
+            <a:endParaRPr kumimoji="0" lang="en-US" altLang="en-US" sz="800" b="0" i="0" u="none" strike="noStrike" cap="none" normalizeH="0" baseline="0" dirty="0">
+              <a:ln>
+                <a:noFill/>
+              </a:ln>
+              <a:solidFill>
+                <a:schemeClr val="tx1"/>
+              </a:solidFill>
+              <a:effectLst/>
+            </a:endParaRPr>
+          </a:p>
+          <a:p>
+            <a:pPr marL="0" marR="0" lvl="0" indent="0" algn="l" defTabSz="914400" rtl="0" eaLnBrk="0" fontAlgn="base" latinLnBrk="0" hangingPunct="0">
+              <a:lnSpc>
+                <a:spcPct val="100000"/>
+              </a:lnSpc>
+              <a:spcBef>
+                <a:spcPct val="0"/>
+              </a:spcBef>
+              <a:spcAft>
+                <a:spcPct val="0"/>
+              </a:spcAft>
+              <a:buClrTx/>
+              <a:buSzTx/>
+              <a:buFontTx/>
+              <a:buNone/>
+              <a:tabLst/>
+            </a:pPr>
+            <a:r>
+              <a:rPr kumimoji="0" lang="en-US" altLang="en-US" sz="1800" b="0" i="0" u="none" strike="noStrike" cap="none" normalizeH="0" baseline="0" dirty="0">
+                <a:ln>
+                  <a:noFill/>
+                </a:ln>
+                <a:solidFill>
+                  <a:srgbClr val="273239"/>
+                </a:solidFill>
+                <a:effectLst/>
+                <a:latin typeface="Consolas" panose="020B0609020204030204" pitchFamily="49" charset="0"/>
+              </a:rPr>
+              <a:t> </a:t>
+            </a:r>
+            <a:endParaRPr kumimoji="0" lang="en-US" altLang="en-US" sz="1800" b="0" i="0" u="none" strike="noStrike" cap="none" normalizeH="0" baseline="0" dirty="0">
+              <a:ln>
+                <a:noFill/>
+              </a:ln>
+              <a:solidFill>
+                <a:schemeClr val="tx1"/>
+              </a:solidFill>
+              <a:effectLst/>
+              <a:latin typeface="Arial" panose="020B0604020202020204" pitchFamily="34" charset="0"/>
+            </a:endParaRPr>
+          </a:p>
+        </p:txBody>
+      </p:sp>
+    </p:spTree>
+    <p:extLst>
+      <p:ext uri="{BB962C8B-B14F-4D97-AF65-F5344CB8AC3E}">
+        <p14:creationId xmlns:p14="http://schemas.microsoft.com/office/powerpoint/2010/main" val="2666811459"/>
+      </p:ext>
+    </p:extLst>
+  </p:cSld>
+  <p:clrMapOvr>
+    <a:masterClrMapping/>
+  </p:clrMapOvr>
+</p:sld>
+</file>
+
+<file path=ppt/slides/slide4.xml><?xml version="1.0" encoding="utf-8"?>
+<p:sld xmlns:a="http://schemas.openxmlformats.org/drawingml/2006/main" xmlns:r="http://schemas.openxmlformats.org/officeDocument/2006/relationships" xmlns:p="http://schemas.openxmlformats.org/presentationml/2006/main">
+  <p:cSld>
+    <p:spTree>
+      <p:nvGrpSpPr>
+        <p:cNvPr id="1" name=""/>
+        <p:cNvGrpSpPr/>
+        <p:nvPr/>
+      </p:nvGrpSpPr>
+      <p:grpSpPr>
+        <a:xfrm>
+          <a:off x="0" y="0"/>
+          <a:ext cx="0" cy="0"/>
+          <a:chOff x="0" y="0"/>
+          <a:chExt cx="0" cy="0"/>
+        </a:xfrm>
+      </p:grpSpPr>
+      <p:sp>
+        <p:nvSpPr>
+          <p:cNvPr id="3" name="Content Placeholder 2">
+            <a:extLst>
+              <a:ext uri="{FF2B5EF4-FFF2-40B4-BE49-F238E27FC236}">
+                <a16:creationId xmlns:a16="http://schemas.microsoft.com/office/drawing/2014/main" id="{E2951AA4-2291-4184-88D4-73971BA4EBA6}"/>
+              </a:ext>
+            </a:extLst>
+          </p:cNvPr>
+          <p:cNvSpPr>
+            <a:spLocks noGrp="1"/>
+          </p:cNvSpPr>
+          <p:nvPr>
+            <p:ph idx="1"/>
+          </p:nvPr>
+        </p:nvSpPr>
+        <p:spPr>
+          <a:xfrm>
+            <a:off x="244612" y="218321"/>
+            <a:ext cx="10515600" cy="5554794"/>
+          </a:xfrm>
+        </p:spPr>
+        <p:txBody>
+          <a:bodyPr/>
+          <a:lstStyle/>
+          <a:p>
+            <a:r>
+              <a:rPr lang="en-US" dirty="0"/>
+              <a:t>2. By Implementing the runnable</a:t>
+            </a:r>
+          </a:p>
+          <a:p>
+            <a:pPr lvl="1"/>
+            <a:r>
+              <a:rPr lang="en-US" dirty="0"/>
+              <a:t>Example:-</a:t>
+            </a:r>
+          </a:p>
+          <a:p>
+            <a:pPr lvl="1"/>
+            <a:r>
+              <a:rPr lang="en-IN" dirty="0"/>
+              <a:t>s</a:t>
+            </a:r>
+          </a:p>
+        </p:txBody>
+      </p:sp>
+      <p:sp>
+        <p:nvSpPr>
+          <p:cNvPr id="4" name="Rectangle 1">
+            <a:extLst>
+              <a:ext uri="{FF2B5EF4-FFF2-40B4-BE49-F238E27FC236}">
+                <a16:creationId xmlns:a16="http://schemas.microsoft.com/office/drawing/2014/main" id="{887CC516-7B18-40EF-8520-B85E11B01152}"/>
+              </a:ext>
+            </a:extLst>
+          </p:cNvPr>
+          <p:cNvSpPr>
+            <a:spLocks noChangeArrowheads="1"/>
+          </p:cNvSpPr>
+          <p:nvPr/>
+        </p:nvSpPr>
+        <p:spPr bwMode="auto">
+          <a:xfrm>
+            <a:off x="786435" y="1233860"/>
+            <a:ext cx="5166893" cy="4847481"/>
+          </a:xfrm>
+          <a:prstGeom prst="rect">
+            <a:avLst/>
+          </a:prstGeom>
+          <a:solidFill>
+            <a:srgbClr val="FFFFFF"/>
+          </a:solidFill>
+          <a:ln>
+            <a:noFill/>
+          </a:ln>
+          <a:effectLst/>
+          <a:extLst>
+            <a:ext uri="{91240B29-F687-4F45-9708-019B960494DF}">
+              <a14:hiddenLine xmlns:a14="http://schemas.microsoft.com/office/drawing/2010/main" w="9525">
+                <a:solidFill>
+                  <a:schemeClr val="tx1"/>
+                </a:solidFill>
+                <a:miter lim="800000"/>
+                <a:headEnd/>
+                <a:tailEnd/>
+              </a14:hiddenLine>
+            </a:ext>
+            <a:ext uri="{AF507438-7753-43E0-B8FC-AC1667EBCBE1}">
+              <a14:hiddenEffects xmlns:a14="http://schemas.microsoft.com/office/drawing/2010/main">
+                <a:effectLst>
+                  <a:outerShdw dist="35921" dir="2700000" algn="ctr" rotWithShape="0">
+                    <a:schemeClr val="bg2"/>
+                  </a:outerShdw>
+                </a:effectLst>
+              </a14:hiddenEffects>
+            </a:ext>
+          </a:extLst>
+        </p:spPr>
+        <p:txBody>
+          <a:bodyPr vert="horz" wrap="square" lIns="0" tIns="0" rIns="0" bIns="0" numCol="1" anchor="ctr" anchorCtr="0" compatLnSpc="1">
+            <a:prstTxWarp prst="textNoShape">
+              <a:avLst/>
+            </a:prstTxWarp>
+            <a:spAutoFit/>
+          </a:bodyPr>
+          <a:lstStyle>
+            <a:lvl1pPr eaLnBrk="0" fontAlgn="base" hangingPunct="0">
+              <a:spcBef>
+                <a:spcPct val="0"/>
+              </a:spcBef>
+              <a:spcAft>
+                <a:spcPct val="0"/>
+              </a:spcAft>
+              <a:defRPr>
+                <a:solidFill>
+                  <a:schemeClr val="tx1"/>
+                </a:solidFill>
+                <a:latin typeface="Arial" panose="020B0604020202020204" pitchFamily="34" charset="0"/>
+              </a:defRPr>
+            </a:lvl1pPr>
+            <a:lvl2pPr eaLnBrk="0" fontAlgn="base" hangingPunct="0">
+              <a:spcBef>
+                <a:spcPct val="0"/>
+              </a:spcBef>
+              <a:spcAft>
+                <a:spcPct val="0"/>
+              </a:spcAft>
+              <a:defRPr>
+                <a:solidFill>
+                  <a:schemeClr val="tx1"/>
+                </a:solidFill>
+                <a:latin typeface="Arial" panose="020B0604020202020204" pitchFamily="34" charset="0"/>
+              </a:defRPr>
+            </a:lvl2pPr>
+            <a:lvl3pPr eaLnBrk="0" fontAlgn="base" hangingPunct="0">
+              <a:spcBef>
+                <a:spcPct val="0"/>
+              </a:spcBef>
+              <a:spcAft>
+                <a:spcPct val="0"/>
+              </a:spcAft>
+              <a:defRPr>
+                <a:solidFill>
+                  <a:schemeClr val="tx1"/>
+                </a:solidFill>
+                <a:latin typeface="Arial" panose="020B0604020202020204" pitchFamily="34" charset="0"/>
+              </a:defRPr>
+            </a:lvl3pPr>
+            <a:lvl4pPr eaLnBrk="0" fontAlgn="base" hangingPunct="0">
+              <a:spcBef>
+                <a:spcPct val="0"/>
+              </a:spcBef>
+              <a:spcAft>
+                <a:spcPct val="0"/>
+              </a:spcAft>
+              <a:defRPr>
+                <a:solidFill>
+                  <a:schemeClr val="tx1"/>
+                </a:solidFill>
+                <a:latin typeface="Arial" panose="020B0604020202020204" pitchFamily="34" charset="0"/>
+              </a:defRPr>
+            </a:lvl4pPr>
+            <a:lvl5pPr eaLnBrk="0" fontAlgn="base" hangingPunct="0">
+              <a:spcBef>
+                <a:spcPct val="0"/>
+              </a:spcBef>
+              <a:spcAft>
+                <a:spcPct val="0"/>
+              </a:spcAft>
+              <a:defRPr>
+                <a:solidFill>
+                  <a:schemeClr val="tx1"/>
+                </a:solidFill>
+                <a:latin typeface="Arial" panose="020B0604020202020204" pitchFamily="34" charset="0"/>
+              </a:defRPr>
+            </a:lvl5pPr>
+            <a:lvl6pPr eaLnBrk="0" fontAlgn="base" hangingPunct="0">
+              <a:spcBef>
+                <a:spcPct val="0"/>
+              </a:spcBef>
+              <a:spcAft>
+                <a:spcPct val="0"/>
+              </a:spcAft>
+              <a:defRPr>
+                <a:solidFill>
+                  <a:schemeClr val="tx1"/>
+                </a:solidFill>
+                <a:latin typeface="Arial" panose="020B0604020202020204" pitchFamily="34" charset="0"/>
+              </a:defRPr>
+            </a:lvl6pPr>
+            <a:lvl7pPr eaLnBrk="0" fontAlgn="base" hangingPunct="0">
+              <a:spcBef>
+                <a:spcPct val="0"/>
+              </a:spcBef>
+              <a:spcAft>
+                <a:spcPct val="0"/>
+              </a:spcAft>
+              <a:defRPr>
+                <a:solidFill>
+                  <a:schemeClr val="tx1"/>
+                </a:solidFill>
+                <a:latin typeface="Arial" panose="020B0604020202020204" pitchFamily="34" charset="0"/>
+              </a:defRPr>
+            </a:lvl7pPr>
+            <a:lvl8pPr eaLnBrk="0" fontAlgn="base" hangingPunct="0">
+              <a:spcBef>
+                <a:spcPct val="0"/>
+              </a:spcBef>
+              <a:spcAft>
+                <a:spcPct val="0"/>
+              </a:spcAft>
+              <a:defRPr>
+                <a:solidFill>
+                  <a:schemeClr val="tx1"/>
+                </a:solidFill>
+                <a:latin typeface="Arial" panose="020B0604020202020204" pitchFamily="34" charset="0"/>
+              </a:defRPr>
+            </a:lvl8pPr>
+            <a:lvl9pPr eaLnBrk="0" fontAlgn="base" hangingPunct="0">
+              <a:spcBef>
+                <a:spcPct val="0"/>
+              </a:spcBef>
+              <a:spcAft>
+                <a:spcPct val="0"/>
+              </a:spcAft>
+              <a:defRPr>
+                <a:solidFill>
+                  <a:schemeClr val="tx1"/>
+                </a:solidFill>
+                <a:latin typeface="Arial" panose="020B0604020202020204" pitchFamily="34" charset="0"/>
+              </a:defRPr>
+            </a:lvl9pPr>
+          </a:lstStyle>
+          <a:p>
+            <a:pPr marL="0" marR="0" lvl="0" indent="0" algn="l" defTabSz="914400" rtl="0" eaLnBrk="0" fontAlgn="base" latinLnBrk="0" hangingPunct="0">
+              <a:lnSpc>
+                <a:spcPct val="100000"/>
+              </a:lnSpc>
+              <a:spcBef>
+                <a:spcPct val="0"/>
+              </a:spcBef>
+              <a:spcAft>
+                <a:spcPct val="0"/>
+              </a:spcAft>
+              <a:buClrTx/>
+              <a:buSzTx/>
+              <a:buFontTx/>
+              <a:buNone/>
+              <a:tabLst/>
+            </a:pPr>
+            <a:r>
+              <a:rPr kumimoji="0" lang="en-US" altLang="en-US" sz="1100" b="1" i="0" u="none" strike="noStrike" cap="none" normalizeH="0" baseline="0" dirty="0">
+                <a:ln>
+                  <a:noFill/>
+                </a:ln>
+                <a:solidFill>
+                  <a:srgbClr val="006699"/>
+                </a:solidFill>
+                <a:effectLst/>
+                <a:latin typeface="Consolas" panose="020B0609020204030204" pitchFamily="49" charset="0"/>
+              </a:rPr>
+              <a:t>class</a:t>
+            </a:r>
+            <a:r>
+              <a:rPr kumimoji="0" lang="en-US" altLang="en-US" sz="800" b="0" i="0" u="none" strike="noStrike" cap="none" normalizeH="0" baseline="0" dirty="0">
+                <a:ln>
+                  <a:noFill/>
+                </a:ln>
+                <a:solidFill>
+                  <a:srgbClr val="273239"/>
+                </a:solidFill>
+                <a:effectLst/>
+                <a:latin typeface="Consolas" panose="020B0609020204030204" pitchFamily="49" charset="0"/>
+              </a:rPr>
+              <a:t> </a:t>
+            </a:r>
+            <a:r>
+              <a:rPr kumimoji="0" lang="en-US" altLang="en-US" sz="1100" b="0" i="0" u="none" strike="noStrike" cap="none" normalizeH="0" baseline="0" dirty="0" err="1">
+                <a:ln>
+                  <a:noFill/>
+                </a:ln>
+                <a:solidFill>
+                  <a:srgbClr val="000000"/>
+                </a:solidFill>
+                <a:effectLst/>
+                <a:latin typeface="Consolas" panose="020B0609020204030204" pitchFamily="49" charset="0"/>
+              </a:rPr>
+              <a:t>MultithreadingDemo</a:t>
+            </a:r>
+            <a:r>
+              <a:rPr kumimoji="0" lang="en-US" altLang="en-US" sz="1100" b="0" i="0" u="none" strike="noStrike" cap="none" normalizeH="0" baseline="0" dirty="0">
+                <a:ln>
+                  <a:noFill/>
+                </a:ln>
+                <a:solidFill>
+                  <a:srgbClr val="000000"/>
+                </a:solidFill>
+                <a:effectLst/>
+                <a:latin typeface="Consolas" panose="020B0609020204030204" pitchFamily="49" charset="0"/>
+              </a:rPr>
+              <a:t> </a:t>
+            </a:r>
+            <a:r>
+              <a:rPr kumimoji="0" lang="en-US" altLang="en-US" sz="1100" b="1" i="0" u="none" strike="noStrike" cap="none" normalizeH="0" baseline="0" dirty="0">
+                <a:ln>
+                  <a:noFill/>
+                </a:ln>
+                <a:solidFill>
+                  <a:srgbClr val="006699"/>
+                </a:solidFill>
+                <a:effectLst/>
+                <a:latin typeface="Consolas" panose="020B0609020204030204" pitchFamily="49" charset="0"/>
+              </a:rPr>
+              <a:t>implements</a:t>
+            </a:r>
+            <a:r>
+              <a:rPr kumimoji="0" lang="en-US" altLang="en-US" sz="800" b="0" i="0" u="none" strike="noStrike" cap="none" normalizeH="0" baseline="0" dirty="0">
+                <a:ln>
+                  <a:noFill/>
+                </a:ln>
+                <a:solidFill>
+                  <a:srgbClr val="273239"/>
+                </a:solidFill>
+                <a:effectLst/>
+                <a:latin typeface="Consolas" panose="020B0609020204030204" pitchFamily="49" charset="0"/>
+              </a:rPr>
+              <a:t> </a:t>
+            </a:r>
+            <a:r>
+              <a:rPr kumimoji="0" lang="en-US" altLang="en-US" sz="1100" b="0" i="0" u="none" strike="noStrike" cap="none" normalizeH="0" baseline="0" dirty="0">
+                <a:ln>
+                  <a:noFill/>
+                </a:ln>
+                <a:solidFill>
+                  <a:srgbClr val="000000"/>
+                </a:solidFill>
+                <a:effectLst/>
+                <a:latin typeface="Consolas" panose="020B0609020204030204" pitchFamily="49" charset="0"/>
+              </a:rPr>
+              <a:t>Runnable {</a:t>
+            </a:r>
+            <a:endParaRPr kumimoji="0" lang="en-US" altLang="en-US" sz="800" b="0" i="0" u="none" strike="noStrike" cap="none" normalizeH="0" baseline="0" dirty="0">
+              <a:ln>
+                <a:noFill/>
+              </a:ln>
+              <a:solidFill>
+                <a:schemeClr val="tx1"/>
+              </a:solidFill>
+              <a:effectLst/>
+            </a:endParaRPr>
+          </a:p>
+          <a:p>
+            <a:pPr marL="0" marR="0" lvl="0" indent="0" algn="l" defTabSz="914400" rtl="0" eaLnBrk="0" fontAlgn="base" latinLnBrk="0" hangingPunct="0">
+              <a:lnSpc>
+                <a:spcPct val="100000"/>
+              </a:lnSpc>
+              <a:spcBef>
+                <a:spcPct val="0"/>
+              </a:spcBef>
+              <a:spcAft>
+                <a:spcPct val="0"/>
+              </a:spcAft>
+              <a:buClrTx/>
+              <a:buSzTx/>
+              <a:buFontTx/>
+              <a:buNone/>
+              <a:tabLst/>
+            </a:pPr>
+            <a:r>
+              <a:rPr kumimoji="0" lang="en-US" altLang="en-US" sz="1100" b="0" i="0" u="none" strike="noStrike" cap="none" normalizeH="0" baseline="0" dirty="0">
+                <a:ln>
+                  <a:noFill/>
+                </a:ln>
+                <a:solidFill>
+                  <a:srgbClr val="273239"/>
+                </a:solidFill>
+                <a:effectLst/>
+                <a:latin typeface="Consolas" panose="020B0609020204030204" pitchFamily="49" charset="0"/>
+              </a:rPr>
+              <a:t>    </a:t>
+            </a:r>
+            <a:r>
+              <a:rPr kumimoji="0" lang="en-US" altLang="en-US" sz="1100" b="1" i="0" u="none" strike="noStrike" cap="none" normalizeH="0" baseline="0" dirty="0">
+                <a:ln>
+                  <a:noFill/>
+                </a:ln>
+                <a:solidFill>
+                  <a:srgbClr val="006699"/>
+                </a:solidFill>
+                <a:effectLst/>
+                <a:latin typeface="Consolas" panose="020B0609020204030204" pitchFamily="49" charset="0"/>
+              </a:rPr>
+              <a:t>public</a:t>
+            </a:r>
+            <a:r>
+              <a:rPr kumimoji="0" lang="en-US" altLang="en-US" sz="800" b="0" i="0" u="none" strike="noStrike" cap="none" normalizeH="0" baseline="0" dirty="0">
+                <a:ln>
+                  <a:noFill/>
+                </a:ln>
+                <a:solidFill>
+                  <a:srgbClr val="273239"/>
+                </a:solidFill>
+                <a:effectLst/>
+                <a:latin typeface="Consolas" panose="020B0609020204030204" pitchFamily="49" charset="0"/>
+              </a:rPr>
+              <a:t> </a:t>
+            </a:r>
+            <a:r>
+              <a:rPr kumimoji="0" lang="en-US" altLang="en-US" sz="1100" b="1" i="0" u="none" strike="noStrike" cap="none" normalizeH="0" baseline="0" dirty="0">
+                <a:ln>
+                  <a:noFill/>
+                </a:ln>
+                <a:solidFill>
+                  <a:srgbClr val="006699"/>
+                </a:solidFill>
+                <a:effectLst/>
+                <a:latin typeface="Consolas" panose="020B0609020204030204" pitchFamily="49" charset="0"/>
+              </a:rPr>
+              <a:t>void</a:t>
+            </a:r>
+            <a:r>
+              <a:rPr kumimoji="0" lang="en-US" altLang="en-US" sz="800" b="0" i="0" u="none" strike="noStrike" cap="none" normalizeH="0" baseline="0" dirty="0">
+                <a:ln>
+                  <a:noFill/>
+                </a:ln>
+                <a:solidFill>
+                  <a:srgbClr val="273239"/>
+                </a:solidFill>
+                <a:effectLst/>
+                <a:latin typeface="Consolas" panose="020B0609020204030204" pitchFamily="49" charset="0"/>
+              </a:rPr>
+              <a:t> </a:t>
+            </a:r>
+            <a:r>
+              <a:rPr kumimoji="0" lang="en-US" altLang="en-US" sz="1100" b="0" i="0" u="none" strike="noStrike" cap="none" normalizeH="0" baseline="0" dirty="0">
+                <a:ln>
+                  <a:noFill/>
+                </a:ln>
+                <a:solidFill>
+                  <a:srgbClr val="000000"/>
+                </a:solidFill>
+                <a:effectLst/>
+                <a:latin typeface="Consolas" panose="020B0609020204030204" pitchFamily="49" charset="0"/>
+              </a:rPr>
+              <a:t>run()</a:t>
+            </a:r>
+            <a:endParaRPr kumimoji="0" lang="en-US" altLang="en-US" sz="800" b="0" i="0" u="none" strike="noStrike" cap="none" normalizeH="0" baseline="0" dirty="0">
+              <a:ln>
+                <a:noFill/>
+              </a:ln>
+              <a:solidFill>
+                <a:schemeClr val="tx1"/>
+              </a:solidFill>
+              <a:effectLst/>
+            </a:endParaRPr>
+          </a:p>
+          <a:p>
+            <a:pPr marL="0" marR="0" lvl="0" indent="0" algn="l" defTabSz="914400" rtl="0" eaLnBrk="0" fontAlgn="base" latinLnBrk="0" hangingPunct="0">
+              <a:lnSpc>
+                <a:spcPct val="100000"/>
+              </a:lnSpc>
+              <a:spcBef>
+                <a:spcPct val="0"/>
+              </a:spcBef>
+              <a:spcAft>
+                <a:spcPct val="0"/>
+              </a:spcAft>
+              <a:buClrTx/>
+              <a:buSzTx/>
+              <a:buFontTx/>
+              <a:buNone/>
+              <a:tabLst/>
+            </a:pPr>
+            <a:r>
+              <a:rPr kumimoji="0" lang="en-US" altLang="en-US" sz="1100" b="0" i="0" u="none" strike="noStrike" cap="none" normalizeH="0" baseline="0" dirty="0">
+                <a:ln>
+                  <a:noFill/>
+                </a:ln>
+                <a:solidFill>
+                  <a:srgbClr val="273239"/>
+                </a:solidFill>
+                <a:effectLst/>
+                <a:latin typeface="Consolas" panose="020B0609020204030204" pitchFamily="49" charset="0"/>
+              </a:rPr>
+              <a:t>    </a:t>
+            </a:r>
+            <a:r>
+              <a:rPr kumimoji="0" lang="en-US" altLang="en-US" sz="1100" b="0" i="0" u="none" strike="noStrike" cap="none" normalizeH="0" baseline="0" dirty="0">
+                <a:ln>
+                  <a:noFill/>
+                </a:ln>
+                <a:solidFill>
+                  <a:srgbClr val="000000"/>
+                </a:solidFill>
+                <a:effectLst/>
+                <a:latin typeface="Consolas" panose="020B0609020204030204" pitchFamily="49" charset="0"/>
+              </a:rPr>
+              <a:t>{</a:t>
+            </a:r>
+            <a:endParaRPr kumimoji="0" lang="en-US" altLang="en-US" sz="800" b="0" i="0" u="none" strike="noStrike" cap="none" normalizeH="0" baseline="0" dirty="0">
+              <a:ln>
+                <a:noFill/>
+              </a:ln>
+              <a:solidFill>
+                <a:schemeClr val="tx1"/>
+              </a:solidFill>
+              <a:effectLst/>
+            </a:endParaRPr>
+          </a:p>
+          <a:p>
+            <a:pPr marL="0" marR="0" lvl="0" indent="0" algn="l" defTabSz="914400" rtl="0" eaLnBrk="0" fontAlgn="base" latinLnBrk="0" hangingPunct="0">
+              <a:lnSpc>
+                <a:spcPct val="100000"/>
+              </a:lnSpc>
+              <a:spcBef>
+                <a:spcPct val="0"/>
+              </a:spcBef>
+              <a:spcAft>
+                <a:spcPct val="0"/>
+              </a:spcAft>
+              <a:buClrTx/>
+              <a:buSzTx/>
+              <a:buFontTx/>
+              <a:buNone/>
+              <a:tabLst/>
+            </a:pPr>
+            <a:r>
+              <a:rPr kumimoji="0" lang="en-US" altLang="en-US" sz="1100" b="0" i="0" u="none" strike="noStrike" cap="none" normalizeH="0" baseline="0" dirty="0">
+                <a:ln>
+                  <a:noFill/>
+                </a:ln>
+                <a:solidFill>
+                  <a:srgbClr val="273239"/>
+                </a:solidFill>
+                <a:effectLst/>
+                <a:latin typeface="Consolas" panose="020B0609020204030204" pitchFamily="49" charset="0"/>
+              </a:rPr>
+              <a:t>        </a:t>
+            </a:r>
+            <a:r>
+              <a:rPr kumimoji="0" lang="en-US" altLang="en-US" sz="1100" b="1" i="0" u="none" strike="noStrike" cap="none" normalizeH="0" baseline="0" dirty="0">
+                <a:ln>
+                  <a:noFill/>
+                </a:ln>
+                <a:solidFill>
+                  <a:srgbClr val="006699"/>
+                </a:solidFill>
+                <a:effectLst/>
+                <a:latin typeface="Consolas" panose="020B0609020204030204" pitchFamily="49" charset="0"/>
+              </a:rPr>
+              <a:t>try</a:t>
+            </a:r>
+            <a:r>
+              <a:rPr kumimoji="0" lang="en-US" altLang="en-US" sz="800" b="0" i="0" u="none" strike="noStrike" cap="none" normalizeH="0" baseline="0" dirty="0">
+                <a:ln>
+                  <a:noFill/>
+                </a:ln>
+                <a:solidFill>
+                  <a:srgbClr val="273239"/>
+                </a:solidFill>
+                <a:effectLst/>
+                <a:latin typeface="Consolas" panose="020B0609020204030204" pitchFamily="49" charset="0"/>
+              </a:rPr>
+              <a:t> </a:t>
+            </a:r>
+            <a:r>
+              <a:rPr kumimoji="0" lang="en-US" altLang="en-US" sz="1100" b="0" i="0" u="none" strike="noStrike" cap="none" normalizeH="0" baseline="0" dirty="0">
+                <a:ln>
+                  <a:noFill/>
+                </a:ln>
+                <a:solidFill>
+                  <a:srgbClr val="000000"/>
+                </a:solidFill>
+                <a:effectLst/>
+                <a:latin typeface="Consolas" panose="020B0609020204030204" pitchFamily="49" charset="0"/>
+              </a:rPr>
+              <a:t>{</a:t>
+            </a:r>
+            <a:endParaRPr kumimoji="0" lang="en-US" altLang="en-US" sz="800" b="0" i="0" u="none" strike="noStrike" cap="none" normalizeH="0" baseline="0" dirty="0">
+              <a:ln>
+                <a:noFill/>
+              </a:ln>
+              <a:solidFill>
+                <a:schemeClr val="tx1"/>
+              </a:solidFill>
+              <a:effectLst/>
+            </a:endParaRPr>
+          </a:p>
+          <a:p>
+            <a:pPr marL="0" marR="0" lvl="0" indent="0" algn="l" defTabSz="914400" rtl="0" eaLnBrk="0" fontAlgn="base" latinLnBrk="0" hangingPunct="0">
+              <a:lnSpc>
+                <a:spcPct val="100000"/>
+              </a:lnSpc>
+              <a:spcBef>
+                <a:spcPct val="0"/>
+              </a:spcBef>
+              <a:spcAft>
+                <a:spcPct val="0"/>
+              </a:spcAft>
+              <a:buClrTx/>
+              <a:buSzTx/>
+              <a:buFontTx/>
+              <a:buNone/>
+              <a:tabLst/>
+            </a:pPr>
+            <a:r>
+              <a:rPr kumimoji="0" lang="en-US" altLang="en-US" sz="1100" b="0" i="0" u="none" strike="noStrike" cap="none" normalizeH="0" baseline="0" dirty="0">
+                <a:ln>
+                  <a:noFill/>
+                </a:ln>
+                <a:solidFill>
+                  <a:srgbClr val="273239"/>
+                </a:solidFill>
+                <a:effectLst/>
+                <a:latin typeface="Consolas" panose="020B0609020204030204" pitchFamily="49" charset="0"/>
+              </a:rPr>
+              <a:t>            </a:t>
+            </a:r>
+            <a:r>
+              <a:rPr kumimoji="0" lang="en-US" altLang="en-US" sz="1100" b="0" i="0" u="none" strike="noStrike" cap="none" normalizeH="0" baseline="0" dirty="0">
+                <a:ln>
+                  <a:noFill/>
+                </a:ln>
+                <a:solidFill>
+                  <a:srgbClr val="008200"/>
+                </a:solidFill>
+                <a:effectLst/>
+                <a:latin typeface="Consolas" panose="020B0609020204030204" pitchFamily="49" charset="0"/>
+              </a:rPr>
+              <a:t>// Displaying the thread that is running</a:t>
+            </a:r>
+            <a:endParaRPr kumimoji="0" lang="en-US" altLang="en-US" sz="800" b="0" i="0" u="none" strike="noStrike" cap="none" normalizeH="0" baseline="0" dirty="0">
+              <a:ln>
+                <a:noFill/>
+              </a:ln>
+              <a:solidFill>
+                <a:schemeClr val="tx1"/>
+              </a:solidFill>
+              <a:effectLst/>
+            </a:endParaRPr>
+          </a:p>
+          <a:p>
+            <a:pPr marL="0" marR="0" lvl="0" indent="0" algn="l" defTabSz="914400" rtl="0" eaLnBrk="0" fontAlgn="base" latinLnBrk="0" hangingPunct="0">
+              <a:lnSpc>
+                <a:spcPct val="100000"/>
+              </a:lnSpc>
+              <a:spcBef>
+                <a:spcPct val="0"/>
+              </a:spcBef>
+              <a:spcAft>
+                <a:spcPct val="0"/>
+              </a:spcAft>
+              <a:buClrTx/>
+              <a:buSzTx/>
+              <a:buFontTx/>
+              <a:buNone/>
+              <a:tabLst/>
+            </a:pPr>
+            <a:r>
+              <a:rPr kumimoji="0" lang="en-US" altLang="en-US" sz="1100" b="0" i="0" u="none" strike="noStrike" cap="none" normalizeH="0" baseline="0" dirty="0">
+                <a:ln>
+                  <a:noFill/>
+                </a:ln>
+                <a:solidFill>
+                  <a:srgbClr val="273239"/>
+                </a:solidFill>
+                <a:effectLst/>
+                <a:latin typeface="Consolas" panose="020B0609020204030204" pitchFamily="49" charset="0"/>
+              </a:rPr>
+              <a:t>            </a:t>
+            </a:r>
+            <a:r>
+              <a:rPr kumimoji="0" lang="en-US" altLang="en-US" sz="1100" b="0" i="0" u="none" strike="noStrike" cap="none" normalizeH="0" baseline="0" dirty="0" err="1">
+                <a:ln>
+                  <a:noFill/>
+                </a:ln>
+                <a:solidFill>
+                  <a:srgbClr val="000000"/>
+                </a:solidFill>
+                <a:effectLst/>
+                <a:latin typeface="Consolas" panose="020B0609020204030204" pitchFamily="49" charset="0"/>
+              </a:rPr>
+              <a:t>System.out.println</a:t>
+            </a:r>
+            <a:r>
+              <a:rPr kumimoji="0" lang="en-US" altLang="en-US" sz="1100" b="0" i="0" u="none" strike="noStrike" cap="none" normalizeH="0" baseline="0" dirty="0">
+                <a:ln>
+                  <a:noFill/>
+                </a:ln>
+                <a:solidFill>
+                  <a:srgbClr val="000000"/>
+                </a:solidFill>
+                <a:effectLst/>
+                <a:latin typeface="Consolas" panose="020B0609020204030204" pitchFamily="49" charset="0"/>
+              </a:rPr>
+              <a:t>(</a:t>
+            </a:r>
+            <a:endParaRPr kumimoji="0" lang="en-US" altLang="en-US" sz="800" b="0" i="0" u="none" strike="noStrike" cap="none" normalizeH="0" baseline="0" dirty="0">
+              <a:ln>
+                <a:noFill/>
+              </a:ln>
+              <a:solidFill>
+                <a:schemeClr val="tx1"/>
+              </a:solidFill>
+              <a:effectLst/>
+            </a:endParaRPr>
+          </a:p>
+          <a:p>
+            <a:pPr marL="0" marR="0" lvl="0" indent="0" algn="l" defTabSz="914400" rtl="0" eaLnBrk="0" fontAlgn="base" latinLnBrk="0" hangingPunct="0">
+              <a:lnSpc>
+                <a:spcPct val="100000"/>
+              </a:lnSpc>
+              <a:spcBef>
+                <a:spcPct val="0"/>
+              </a:spcBef>
+              <a:spcAft>
+                <a:spcPct val="0"/>
+              </a:spcAft>
+              <a:buClrTx/>
+              <a:buSzTx/>
+              <a:buFontTx/>
+              <a:buNone/>
+              <a:tabLst/>
+            </a:pPr>
+            <a:r>
+              <a:rPr kumimoji="0" lang="en-US" altLang="en-US" sz="1100" b="0" i="0" u="none" strike="noStrike" cap="none" normalizeH="0" baseline="0" dirty="0">
+                <a:ln>
+                  <a:noFill/>
+                </a:ln>
+                <a:solidFill>
+                  <a:srgbClr val="273239"/>
+                </a:solidFill>
+                <a:effectLst/>
+                <a:latin typeface="Consolas" panose="020B0609020204030204" pitchFamily="49" charset="0"/>
+              </a:rPr>
+              <a:t>                </a:t>
+            </a:r>
+            <a:r>
+              <a:rPr kumimoji="0" lang="en-US" altLang="en-US" sz="1100" b="0" i="0" u="none" strike="noStrike" cap="none" normalizeH="0" baseline="0" dirty="0">
+                <a:ln>
+                  <a:noFill/>
+                </a:ln>
+                <a:solidFill>
+                  <a:srgbClr val="0000FF"/>
+                </a:solidFill>
+                <a:effectLst/>
+                <a:latin typeface="Consolas" panose="020B0609020204030204" pitchFamily="49" charset="0"/>
+              </a:rPr>
+              <a:t>"Thread "</a:t>
+            </a:r>
+            <a:r>
+              <a:rPr kumimoji="0" lang="en-US" altLang="en-US" sz="800" b="0" i="0" u="none" strike="noStrike" cap="none" normalizeH="0" baseline="0" dirty="0">
+                <a:ln>
+                  <a:noFill/>
+                </a:ln>
+                <a:solidFill>
+                  <a:srgbClr val="273239"/>
+                </a:solidFill>
+                <a:effectLst/>
+                <a:latin typeface="Consolas" panose="020B0609020204030204" pitchFamily="49" charset="0"/>
+              </a:rPr>
+              <a:t> </a:t>
+            </a:r>
+            <a:r>
+              <a:rPr kumimoji="0" lang="en-US" altLang="en-US" sz="1100" b="0" i="0" u="none" strike="noStrike" cap="none" normalizeH="0" baseline="0" dirty="0">
+                <a:ln>
+                  <a:noFill/>
+                </a:ln>
+                <a:solidFill>
+                  <a:srgbClr val="000000"/>
+                </a:solidFill>
+                <a:effectLst/>
+                <a:latin typeface="Consolas" panose="020B0609020204030204" pitchFamily="49" charset="0"/>
+              </a:rPr>
+              <a:t>+ </a:t>
+            </a:r>
+            <a:r>
+              <a:rPr kumimoji="0" lang="en-US" altLang="en-US" sz="1100" b="0" i="0" u="none" strike="noStrike" cap="none" normalizeH="0" baseline="0" dirty="0" err="1">
+                <a:ln>
+                  <a:noFill/>
+                </a:ln>
+                <a:solidFill>
+                  <a:srgbClr val="000000"/>
+                </a:solidFill>
+                <a:effectLst/>
+                <a:latin typeface="Consolas" panose="020B0609020204030204" pitchFamily="49" charset="0"/>
+              </a:rPr>
+              <a:t>Thread.currentThread</a:t>
+            </a:r>
+            <a:r>
+              <a:rPr kumimoji="0" lang="en-US" altLang="en-US" sz="1100" b="0" i="0" u="none" strike="noStrike" cap="none" normalizeH="0" baseline="0" dirty="0">
+                <a:ln>
+                  <a:noFill/>
+                </a:ln>
+                <a:solidFill>
+                  <a:srgbClr val="000000"/>
+                </a:solidFill>
+                <a:effectLst/>
+                <a:latin typeface="Consolas" panose="020B0609020204030204" pitchFamily="49" charset="0"/>
+              </a:rPr>
+              <a:t>().</a:t>
+            </a:r>
+            <a:r>
+              <a:rPr kumimoji="0" lang="en-US" altLang="en-US" sz="1100" b="0" i="0" u="none" strike="noStrike" cap="none" normalizeH="0" baseline="0" dirty="0" err="1">
+                <a:ln>
+                  <a:noFill/>
+                </a:ln>
+                <a:solidFill>
+                  <a:srgbClr val="000000"/>
+                </a:solidFill>
+                <a:effectLst/>
+                <a:latin typeface="Consolas" panose="020B0609020204030204" pitchFamily="49" charset="0"/>
+              </a:rPr>
+              <a:t>getId</a:t>
+            </a:r>
+            <a:r>
+              <a:rPr kumimoji="0" lang="en-US" altLang="en-US" sz="1100" b="0" i="0" u="none" strike="noStrike" cap="none" normalizeH="0" baseline="0" dirty="0">
+                <a:ln>
+                  <a:noFill/>
+                </a:ln>
+                <a:solidFill>
+                  <a:srgbClr val="000000"/>
+                </a:solidFill>
+                <a:effectLst/>
+                <a:latin typeface="Consolas" panose="020B0609020204030204" pitchFamily="49" charset="0"/>
+              </a:rPr>
+              <a:t>()</a:t>
+            </a:r>
+            <a:endParaRPr kumimoji="0" lang="en-US" altLang="en-US" sz="800" b="0" i="0" u="none" strike="noStrike" cap="none" normalizeH="0" baseline="0" dirty="0">
+              <a:ln>
+                <a:noFill/>
+              </a:ln>
+              <a:solidFill>
+                <a:schemeClr val="tx1"/>
+              </a:solidFill>
+              <a:effectLst/>
+            </a:endParaRPr>
+          </a:p>
+          <a:p>
+            <a:pPr marL="0" marR="0" lvl="0" indent="0" algn="l" defTabSz="914400" rtl="0" eaLnBrk="0" fontAlgn="base" latinLnBrk="0" hangingPunct="0">
+              <a:lnSpc>
+                <a:spcPct val="100000"/>
+              </a:lnSpc>
+              <a:spcBef>
+                <a:spcPct val="0"/>
+              </a:spcBef>
+              <a:spcAft>
+                <a:spcPct val="0"/>
+              </a:spcAft>
+              <a:buClrTx/>
+              <a:buSzTx/>
+              <a:buFontTx/>
+              <a:buNone/>
+              <a:tabLst/>
+            </a:pPr>
+            <a:r>
+              <a:rPr kumimoji="0" lang="en-US" altLang="en-US" sz="1100" b="0" i="0" u="none" strike="noStrike" cap="none" normalizeH="0" baseline="0" dirty="0">
+                <a:ln>
+                  <a:noFill/>
+                </a:ln>
+                <a:solidFill>
+                  <a:srgbClr val="273239"/>
+                </a:solidFill>
+                <a:effectLst/>
+                <a:latin typeface="Consolas" panose="020B0609020204030204" pitchFamily="49" charset="0"/>
+              </a:rPr>
+              <a:t>                </a:t>
+            </a:r>
+            <a:r>
+              <a:rPr kumimoji="0" lang="en-US" altLang="en-US" sz="1100" b="0" i="0" u="none" strike="noStrike" cap="none" normalizeH="0" baseline="0" dirty="0">
+                <a:ln>
+                  <a:noFill/>
+                </a:ln>
+                <a:solidFill>
+                  <a:srgbClr val="000000"/>
+                </a:solidFill>
+                <a:effectLst/>
+                <a:latin typeface="Consolas" panose="020B0609020204030204" pitchFamily="49" charset="0"/>
+              </a:rPr>
+              <a:t>+ </a:t>
+            </a:r>
+            <a:r>
+              <a:rPr kumimoji="0" lang="en-US" altLang="en-US" sz="1100" b="0" i="0" u="none" strike="noStrike" cap="none" normalizeH="0" baseline="0" dirty="0">
+                <a:ln>
+                  <a:noFill/>
+                </a:ln>
+                <a:solidFill>
+                  <a:srgbClr val="0000FF"/>
+                </a:solidFill>
+                <a:effectLst/>
+                <a:latin typeface="Consolas" panose="020B0609020204030204" pitchFamily="49" charset="0"/>
+              </a:rPr>
+              <a:t>" is running"</a:t>
+            </a:r>
+            <a:r>
+              <a:rPr kumimoji="0" lang="en-US" altLang="en-US" sz="1100" b="0" i="0" u="none" strike="noStrike" cap="none" normalizeH="0" baseline="0" dirty="0">
+                <a:ln>
+                  <a:noFill/>
+                </a:ln>
+                <a:solidFill>
+                  <a:srgbClr val="000000"/>
+                </a:solidFill>
+                <a:effectLst/>
+                <a:latin typeface="Consolas" panose="020B0609020204030204" pitchFamily="49" charset="0"/>
+              </a:rPr>
+              <a:t>);</a:t>
+            </a:r>
+            <a:endParaRPr kumimoji="0" lang="en-US" altLang="en-US" sz="800" b="0" i="0" u="none" strike="noStrike" cap="none" normalizeH="0" baseline="0" dirty="0">
+              <a:ln>
+                <a:noFill/>
+              </a:ln>
+              <a:solidFill>
+                <a:schemeClr val="tx1"/>
+              </a:solidFill>
+              <a:effectLst/>
+            </a:endParaRPr>
+          </a:p>
+          <a:p>
+            <a:pPr marL="0" marR="0" lvl="0" indent="0" algn="l" defTabSz="914400" rtl="0" eaLnBrk="0" fontAlgn="base" latinLnBrk="0" hangingPunct="0">
+              <a:lnSpc>
+                <a:spcPct val="100000"/>
+              </a:lnSpc>
+              <a:spcBef>
+                <a:spcPct val="0"/>
+              </a:spcBef>
+              <a:spcAft>
+                <a:spcPct val="0"/>
+              </a:spcAft>
+              <a:buClrTx/>
+              <a:buSzTx/>
+              <a:buFontTx/>
+              <a:buNone/>
+              <a:tabLst/>
+            </a:pPr>
+            <a:r>
+              <a:rPr kumimoji="0" lang="en-US" altLang="en-US" sz="1100" b="0" i="0" u="none" strike="noStrike" cap="none" normalizeH="0" baseline="0" dirty="0">
+                <a:ln>
+                  <a:noFill/>
+                </a:ln>
+                <a:solidFill>
+                  <a:srgbClr val="273239"/>
+                </a:solidFill>
+                <a:effectLst/>
+                <a:latin typeface="Consolas" panose="020B0609020204030204" pitchFamily="49" charset="0"/>
+              </a:rPr>
+              <a:t>        </a:t>
+            </a:r>
+            <a:r>
+              <a:rPr kumimoji="0" lang="en-US" altLang="en-US" sz="1100" b="0" i="0" u="none" strike="noStrike" cap="none" normalizeH="0" baseline="0" dirty="0">
+                <a:ln>
+                  <a:noFill/>
+                </a:ln>
+                <a:solidFill>
+                  <a:srgbClr val="000000"/>
+                </a:solidFill>
+                <a:effectLst/>
+                <a:latin typeface="Consolas" panose="020B0609020204030204" pitchFamily="49" charset="0"/>
+              </a:rPr>
+              <a:t>}</a:t>
+            </a:r>
+            <a:endParaRPr kumimoji="0" lang="en-US" altLang="en-US" sz="800" b="0" i="0" u="none" strike="noStrike" cap="none" normalizeH="0" baseline="0" dirty="0">
+              <a:ln>
+                <a:noFill/>
+              </a:ln>
+              <a:solidFill>
+                <a:schemeClr val="tx1"/>
+              </a:solidFill>
+              <a:effectLst/>
+            </a:endParaRPr>
+          </a:p>
+          <a:p>
+            <a:pPr marL="0" marR="0" lvl="0" indent="0" algn="l" defTabSz="914400" rtl="0" eaLnBrk="0" fontAlgn="base" latinLnBrk="0" hangingPunct="0">
+              <a:lnSpc>
+                <a:spcPct val="100000"/>
+              </a:lnSpc>
+              <a:spcBef>
+                <a:spcPct val="0"/>
+              </a:spcBef>
+              <a:spcAft>
+                <a:spcPct val="0"/>
+              </a:spcAft>
+              <a:buClrTx/>
+              <a:buSzTx/>
+              <a:buFontTx/>
+              <a:buNone/>
+              <a:tabLst/>
+            </a:pPr>
+            <a:r>
+              <a:rPr kumimoji="0" lang="en-US" altLang="en-US" sz="1100" b="0" i="0" u="none" strike="noStrike" cap="none" normalizeH="0" baseline="0" dirty="0">
+                <a:ln>
+                  <a:noFill/>
+                </a:ln>
+                <a:solidFill>
+                  <a:srgbClr val="273239"/>
+                </a:solidFill>
+                <a:effectLst/>
+                <a:latin typeface="Consolas" panose="020B0609020204030204" pitchFamily="49" charset="0"/>
+              </a:rPr>
+              <a:t>        </a:t>
+            </a:r>
+            <a:r>
+              <a:rPr kumimoji="0" lang="en-US" altLang="en-US" sz="1100" b="1" i="0" u="none" strike="noStrike" cap="none" normalizeH="0" baseline="0" dirty="0">
+                <a:ln>
+                  <a:noFill/>
+                </a:ln>
+                <a:solidFill>
+                  <a:srgbClr val="006699"/>
+                </a:solidFill>
+                <a:effectLst/>
+                <a:latin typeface="Consolas" panose="020B0609020204030204" pitchFamily="49" charset="0"/>
+              </a:rPr>
+              <a:t>catch</a:t>
+            </a:r>
+            <a:r>
+              <a:rPr kumimoji="0" lang="en-US" altLang="en-US" sz="800" b="0" i="0" u="none" strike="noStrike" cap="none" normalizeH="0" baseline="0" dirty="0">
+                <a:ln>
+                  <a:noFill/>
+                </a:ln>
+                <a:solidFill>
+                  <a:srgbClr val="273239"/>
+                </a:solidFill>
+                <a:effectLst/>
+                <a:latin typeface="Consolas" panose="020B0609020204030204" pitchFamily="49" charset="0"/>
+              </a:rPr>
+              <a:t> </a:t>
+            </a:r>
+            <a:r>
+              <a:rPr kumimoji="0" lang="en-US" altLang="en-US" sz="1100" b="0" i="0" u="none" strike="noStrike" cap="none" normalizeH="0" baseline="0" dirty="0">
+                <a:ln>
+                  <a:noFill/>
+                </a:ln>
+                <a:solidFill>
+                  <a:srgbClr val="000000"/>
+                </a:solidFill>
+                <a:effectLst/>
+                <a:latin typeface="Consolas" panose="020B0609020204030204" pitchFamily="49" charset="0"/>
+              </a:rPr>
+              <a:t>(Exception e) {</a:t>
+            </a:r>
+            <a:endParaRPr kumimoji="0" lang="en-US" altLang="en-US" sz="800" b="0" i="0" u="none" strike="noStrike" cap="none" normalizeH="0" baseline="0" dirty="0">
+              <a:ln>
+                <a:noFill/>
+              </a:ln>
+              <a:solidFill>
+                <a:schemeClr val="tx1"/>
+              </a:solidFill>
+              <a:effectLst/>
+            </a:endParaRPr>
+          </a:p>
+          <a:p>
+            <a:pPr marL="0" marR="0" lvl="0" indent="0" algn="l" defTabSz="914400" rtl="0" eaLnBrk="0" fontAlgn="base" latinLnBrk="0" hangingPunct="0">
+              <a:lnSpc>
+                <a:spcPct val="100000"/>
+              </a:lnSpc>
+              <a:spcBef>
+                <a:spcPct val="0"/>
+              </a:spcBef>
+              <a:spcAft>
+                <a:spcPct val="0"/>
+              </a:spcAft>
+              <a:buClrTx/>
+              <a:buSzTx/>
+              <a:buFontTx/>
+              <a:buNone/>
+              <a:tabLst/>
+            </a:pPr>
+            <a:r>
+              <a:rPr kumimoji="0" lang="en-US" altLang="en-US" sz="1100" b="0" i="0" u="none" strike="noStrike" cap="none" normalizeH="0" baseline="0" dirty="0">
+                <a:ln>
+                  <a:noFill/>
+                </a:ln>
+                <a:solidFill>
+                  <a:srgbClr val="273239"/>
+                </a:solidFill>
+                <a:effectLst/>
+                <a:latin typeface="Consolas" panose="020B0609020204030204" pitchFamily="49" charset="0"/>
+              </a:rPr>
+              <a:t>            </a:t>
+            </a:r>
+            <a:r>
+              <a:rPr kumimoji="0" lang="en-US" altLang="en-US" sz="1100" b="0" i="0" u="none" strike="noStrike" cap="none" normalizeH="0" baseline="0" dirty="0">
+                <a:ln>
+                  <a:noFill/>
+                </a:ln>
+                <a:solidFill>
+                  <a:srgbClr val="008200"/>
+                </a:solidFill>
+                <a:effectLst/>
+                <a:latin typeface="Consolas" panose="020B0609020204030204" pitchFamily="49" charset="0"/>
+              </a:rPr>
+              <a:t>// Throwing an exception</a:t>
+            </a:r>
+            <a:endParaRPr kumimoji="0" lang="en-US" altLang="en-US" sz="800" b="0" i="0" u="none" strike="noStrike" cap="none" normalizeH="0" baseline="0" dirty="0">
+              <a:ln>
+                <a:noFill/>
+              </a:ln>
+              <a:solidFill>
+                <a:schemeClr val="tx1"/>
+              </a:solidFill>
+              <a:effectLst/>
+            </a:endParaRPr>
+          </a:p>
+          <a:p>
+            <a:pPr marL="0" marR="0" lvl="0" indent="0" algn="l" defTabSz="914400" rtl="0" eaLnBrk="0" fontAlgn="base" latinLnBrk="0" hangingPunct="0">
+              <a:lnSpc>
+                <a:spcPct val="100000"/>
+              </a:lnSpc>
+              <a:spcBef>
+                <a:spcPct val="0"/>
+              </a:spcBef>
+              <a:spcAft>
+                <a:spcPct val="0"/>
+              </a:spcAft>
+              <a:buClrTx/>
+              <a:buSzTx/>
+              <a:buFontTx/>
+              <a:buNone/>
+              <a:tabLst/>
+            </a:pPr>
+            <a:r>
+              <a:rPr kumimoji="0" lang="en-US" altLang="en-US" sz="1100" b="0" i="0" u="none" strike="noStrike" cap="none" normalizeH="0" baseline="0" dirty="0">
+                <a:ln>
+                  <a:noFill/>
+                </a:ln>
+                <a:solidFill>
+                  <a:srgbClr val="273239"/>
+                </a:solidFill>
+                <a:effectLst/>
+                <a:latin typeface="Consolas" panose="020B0609020204030204" pitchFamily="49" charset="0"/>
+              </a:rPr>
+              <a:t>            </a:t>
+            </a:r>
+            <a:r>
+              <a:rPr kumimoji="0" lang="en-US" altLang="en-US" sz="1100" b="0" i="0" u="none" strike="noStrike" cap="none" normalizeH="0" baseline="0" dirty="0" err="1">
+                <a:ln>
+                  <a:noFill/>
+                </a:ln>
+                <a:solidFill>
+                  <a:srgbClr val="000000"/>
+                </a:solidFill>
+                <a:effectLst/>
+                <a:latin typeface="Consolas" panose="020B0609020204030204" pitchFamily="49" charset="0"/>
+              </a:rPr>
+              <a:t>System.out.println</a:t>
+            </a:r>
+            <a:r>
+              <a:rPr kumimoji="0" lang="en-US" altLang="en-US" sz="1100" b="0" i="0" u="none" strike="noStrike" cap="none" normalizeH="0" baseline="0" dirty="0">
+                <a:ln>
+                  <a:noFill/>
+                </a:ln>
+                <a:solidFill>
+                  <a:srgbClr val="000000"/>
+                </a:solidFill>
+                <a:effectLst/>
+                <a:latin typeface="Consolas" panose="020B0609020204030204" pitchFamily="49" charset="0"/>
+              </a:rPr>
+              <a:t>(</a:t>
+            </a:r>
+            <a:r>
+              <a:rPr kumimoji="0" lang="en-US" altLang="en-US" sz="1100" b="0" i="0" u="none" strike="noStrike" cap="none" normalizeH="0" baseline="0" dirty="0">
+                <a:ln>
+                  <a:noFill/>
+                </a:ln>
+                <a:solidFill>
+                  <a:srgbClr val="0000FF"/>
+                </a:solidFill>
+                <a:effectLst/>
+                <a:latin typeface="Consolas" panose="020B0609020204030204" pitchFamily="49" charset="0"/>
+              </a:rPr>
+              <a:t>"Exception is caught"</a:t>
+            </a:r>
+            <a:r>
+              <a:rPr kumimoji="0" lang="en-US" altLang="en-US" sz="1100" b="0" i="0" u="none" strike="noStrike" cap="none" normalizeH="0" baseline="0" dirty="0">
+                <a:ln>
+                  <a:noFill/>
+                </a:ln>
+                <a:solidFill>
+                  <a:srgbClr val="000000"/>
+                </a:solidFill>
+                <a:effectLst/>
+                <a:latin typeface="Consolas" panose="020B0609020204030204" pitchFamily="49" charset="0"/>
+              </a:rPr>
+              <a:t>);</a:t>
+            </a:r>
+            <a:endParaRPr kumimoji="0" lang="en-US" altLang="en-US" sz="800" b="0" i="0" u="none" strike="noStrike" cap="none" normalizeH="0" baseline="0" dirty="0">
+              <a:ln>
+                <a:noFill/>
+              </a:ln>
+              <a:solidFill>
+                <a:schemeClr val="tx1"/>
+              </a:solidFill>
+              <a:effectLst/>
+            </a:endParaRPr>
+          </a:p>
+          <a:p>
+            <a:pPr marL="0" marR="0" lvl="0" indent="0" algn="l" defTabSz="914400" rtl="0" eaLnBrk="0" fontAlgn="base" latinLnBrk="0" hangingPunct="0">
+              <a:lnSpc>
+                <a:spcPct val="100000"/>
+              </a:lnSpc>
+              <a:spcBef>
+                <a:spcPct val="0"/>
+              </a:spcBef>
+              <a:spcAft>
+                <a:spcPct val="0"/>
+              </a:spcAft>
+              <a:buClrTx/>
+              <a:buSzTx/>
+              <a:buFontTx/>
+              <a:buNone/>
+              <a:tabLst/>
+            </a:pPr>
+            <a:r>
+              <a:rPr kumimoji="0" lang="en-US" altLang="en-US" sz="1100" b="0" i="0" u="none" strike="noStrike" cap="none" normalizeH="0" baseline="0" dirty="0">
+                <a:ln>
+                  <a:noFill/>
+                </a:ln>
+                <a:solidFill>
+                  <a:srgbClr val="273239"/>
+                </a:solidFill>
+                <a:effectLst/>
+                <a:latin typeface="Consolas" panose="020B0609020204030204" pitchFamily="49" charset="0"/>
+              </a:rPr>
+              <a:t>        </a:t>
+            </a:r>
+            <a:r>
+              <a:rPr kumimoji="0" lang="en-US" altLang="en-US" sz="1100" b="0" i="0" u="none" strike="noStrike" cap="none" normalizeH="0" baseline="0" dirty="0">
+                <a:ln>
+                  <a:noFill/>
+                </a:ln>
+                <a:solidFill>
+                  <a:srgbClr val="000000"/>
+                </a:solidFill>
+                <a:effectLst/>
+                <a:latin typeface="Consolas" panose="020B0609020204030204" pitchFamily="49" charset="0"/>
+              </a:rPr>
+              <a:t>}</a:t>
+            </a:r>
+            <a:endParaRPr kumimoji="0" lang="en-US" altLang="en-US" sz="800" b="0" i="0" u="none" strike="noStrike" cap="none" normalizeH="0" baseline="0" dirty="0">
+              <a:ln>
+                <a:noFill/>
+              </a:ln>
+              <a:solidFill>
+                <a:schemeClr val="tx1"/>
+              </a:solidFill>
+              <a:effectLst/>
+            </a:endParaRPr>
+          </a:p>
+          <a:p>
+            <a:pPr marL="0" marR="0" lvl="0" indent="0" algn="l" defTabSz="914400" rtl="0" eaLnBrk="0" fontAlgn="base" latinLnBrk="0" hangingPunct="0">
+              <a:lnSpc>
+                <a:spcPct val="100000"/>
+              </a:lnSpc>
+              <a:spcBef>
+                <a:spcPct val="0"/>
+              </a:spcBef>
+              <a:spcAft>
+                <a:spcPct val="0"/>
+              </a:spcAft>
+              <a:buClrTx/>
+              <a:buSzTx/>
+              <a:buFontTx/>
+              <a:buNone/>
+              <a:tabLst/>
+            </a:pPr>
+            <a:r>
+              <a:rPr kumimoji="0" lang="en-US" altLang="en-US" sz="1100" b="0" i="0" u="none" strike="noStrike" cap="none" normalizeH="0" baseline="0" dirty="0">
+                <a:ln>
+                  <a:noFill/>
+                </a:ln>
+                <a:solidFill>
+                  <a:srgbClr val="273239"/>
+                </a:solidFill>
+                <a:effectLst/>
+                <a:latin typeface="Consolas" panose="020B0609020204030204" pitchFamily="49" charset="0"/>
+              </a:rPr>
+              <a:t>    </a:t>
+            </a:r>
+            <a:r>
+              <a:rPr kumimoji="0" lang="en-US" altLang="en-US" sz="1100" b="0" i="0" u="none" strike="noStrike" cap="none" normalizeH="0" baseline="0" dirty="0">
+                <a:ln>
+                  <a:noFill/>
+                </a:ln>
+                <a:solidFill>
+                  <a:srgbClr val="000000"/>
+                </a:solidFill>
+                <a:effectLst/>
+                <a:latin typeface="Consolas" panose="020B0609020204030204" pitchFamily="49" charset="0"/>
+              </a:rPr>
+              <a:t>}</a:t>
+            </a:r>
+            <a:endParaRPr kumimoji="0" lang="en-US" altLang="en-US" sz="800" b="0" i="0" u="none" strike="noStrike" cap="none" normalizeH="0" baseline="0" dirty="0">
+              <a:ln>
+                <a:noFill/>
+              </a:ln>
+              <a:solidFill>
+                <a:schemeClr val="tx1"/>
+              </a:solidFill>
+              <a:effectLst/>
+            </a:endParaRPr>
+          </a:p>
+          <a:p>
+            <a:pPr marL="0" marR="0" lvl="0" indent="0" algn="l" defTabSz="914400" rtl="0" eaLnBrk="0" fontAlgn="base" latinLnBrk="0" hangingPunct="0">
+              <a:lnSpc>
+                <a:spcPct val="100000"/>
+              </a:lnSpc>
+              <a:spcBef>
+                <a:spcPct val="0"/>
+              </a:spcBef>
+              <a:spcAft>
+                <a:spcPct val="0"/>
+              </a:spcAft>
+              <a:buClrTx/>
+              <a:buSzTx/>
+              <a:buFontTx/>
+              <a:buNone/>
+              <a:tabLst/>
+            </a:pPr>
+            <a:r>
+              <a:rPr kumimoji="0" lang="en-US" altLang="en-US" sz="1100" b="0" i="0" u="none" strike="noStrike" cap="none" normalizeH="0" baseline="0" dirty="0">
+                <a:ln>
+                  <a:noFill/>
+                </a:ln>
+                <a:solidFill>
+                  <a:srgbClr val="000000"/>
+                </a:solidFill>
+                <a:effectLst/>
+                <a:latin typeface="Consolas" panose="020B0609020204030204" pitchFamily="49" charset="0"/>
+              </a:rPr>
+              <a:t>}</a:t>
+            </a:r>
+            <a:endParaRPr kumimoji="0" lang="en-US" altLang="en-US" sz="800" b="0" i="0" u="none" strike="noStrike" cap="none" normalizeH="0" baseline="0" dirty="0">
+              <a:ln>
+                <a:noFill/>
+              </a:ln>
+              <a:solidFill>
+                <a:schemeClr val="tx1"/>
+              </a:solidFill>
+              <a:effectLst/>
+            </a:endParaRPr>
+          </a:p>
+          <a:p>
+            <a:pPr marL="0" marR="0" lvl="0" indent="0" algn="l" defTabSz="914400" rtl="0" eaLnBrk="0" fontAlgn="base" latinLnBrk="0" hangingPunct="0">
+              <a:lnSpc>
+                <a:spcPct val="100000"/>
+              </a:lnSpc>
+              <a:spcBef>
+                <a:spcPct val="0"/>
+              </a:spcBef>
+              <a:spcAft>
+                <a:spcPct val="0"/>
+              </a:spcAft>
+              <a:buClrTx/>
+              <a:buSzTx/>
+              <a:buFontTx/>
+              <a:buNone/>
+              <a:tabLst/>
+            </a:pPr>
+            <a:r>
+              <a:rPr kumimoji="0" lang="en-US" altLang="en-US" sz="1800" b="0" i="0" u="none" strike="noStrike" cap="none" normalizeH="0" baseline="0" dirty="0">
+                <a:ln>
+                  <a:noFill/>
+                </a:ln>
+                <a:solidFill>
+                  <a:srgbClr val="273239"/>
+                </a:solidFill>
+                <a:effectLst/>
+                <a:latin typeface="Consolas" panose="020B0609020204030204" pitchFamily="49" charset="0"/>
+              </a:rPr>
+              <a:t> </a:t>
+            </a:r>
+            <a:endParaRPr kumimoji="0" lang="en-US" altLang="en-US" sz="1800" b="0" i="0" u="none" strike="noStrike" cap="none" normalizeH="0" baseline="0" dirty="0">
+              <a:ln>
+                <a:noFill/>
+              </a:ln>
+              <a:solidFill>
+                <a:schemeClr val="tx1"/>
+              </a:solidFill>
+              <a:effectLst/>
+            </a:endParaRPr>
+          </a:p>
+          <a:p>
+            <a:pPr marL="0" marR="0" lvl="0" indent="0" algn="l" defTabSz="914400" rtl="0" eaLnBrk="0" fontAlgn="base" latinLnBrk="0" hangingPunct="0">
+              <a:lnSpc>
+                <a:spcPct val="100000"/>
+              </a:lnSpc>
+              <a:spcBef>
+                <a:spcPct val="0"/>
+              </a:spcBef>
+              <a:spcAft>
+                <a:spcPct val="0"/>
+              </a:spcAft>
+              <a:buClrTx/>
+              <a:buSzTx/>
+              <a:buFontTx/>
+              <a:buNone/>
+              <a:tabLst/>
+            </a:pPr>
+            <a:r>
+              <a:rPr kumimoji="0" lang="en-US" altLang="en-US" sz="1100" b="0" i="0" u="none" strike="noStrike" cap="none" normalizeH="0" baseline="0" dirty="0">
+                <a:ln>
+                  <a:noFill/>
+                </a:ln>
+                <a:solidFill>
+                  <a:srgbClr val="008200"/>
+                </a:solidFill>
+                <a:effectLst/>
+                <a:latin typeface="Consolas" panose="020B0609020204030204" pitchFamily="49" charset="0"/>
+              </a:rPr>
+              <a:t>// Main Class</a:t>
+            </a:r>
+            <a:endParaRPr kumimoji="0" lang="en-US" altLang="en-US" sz="800" b="0" i="0" u="none" strike="noStrike" cap="none" normalizeH="0" baseline="0" dirty="0">
+              <a:ln>
+                <a:noFill/>
+              </a:ln>
+              <a:solidFill>
+                <a:schemeClr val="tx1"/>
+              </a:solidFill>
+              <a:effectLst/>
+            </a:endParaRPr>
+          </a:p>
+          <a:p>
+            <a:pPr marL="0" marR="0" lvl="0" indent="0" algn="l" defTabSz="914400" rtl="0" eaLnBrk="0" fontAlgn="base" latinLnBrk="0" hangingPunct="0">
+              <a:lnSpc>
+                <a:spcPct val="100000"/>
+              </a:lnSpc>
+              <a:spcBef>
+                <a:spcPct val="0"/>
+              </a:spcBef>
+              <a:spcAft>
+                <a:spcPct val="0"/>
+              </a:spcAft>
+              <a:buClrTx/>
+              <a:buSzTx/>
+              <a:buFontTx/>
+              <a:buNone/>
+              <a:tabLst/>
+            </a:pPr>
+            <a:r>
+              <a:rPr kumimoji="0" lang="en-US" altLang="en-US" sz="1100" b="1" i="0" u="none" strike="noStrike" cap="none" normalizeH="0" baseline="0" dirty="0">
+                <a:ln>
+                  <a:noFill/>
+                </a:ln>
+                <a:solidFill>
+                  <a:srgbClr val="006699"/>
+                </a:solidFill>
+                <a:effectLst/>
+                <a:latin typeface="Consolas" panose="020B0609020204030204" pitchFamily="49" charset="0"/>
+              </a:rPr>
+              <a:t>class</a:t>
+            </a:r>
+            <a:r>
+              <a:rPr kumimoji="0" lang="en-US" altLang="en-US" sz="800" b="0" i="0" u="none" strike="noStrike" cap="none" normalizeH="0" baseline="0" dirty="0">
+                <a:ln>
+                  <a:noFill/>
+                </a:ln>
+                <a:solidFill>
+                  <a:srgbClr val="273239"/>
+                </a:solidFill>
+                <a:effectLst/>
+                <a:latin typeface="Consolas" panose="020B0609020204030204" pitchFamily="49" charset="0"/>
+              </a:rPr>
+              <a:t> </a:t>
+            </a:r>
+            <a:r>
+              <a:rPr kumimoji="0" lang="en-US" altLang="en-US" sz="1100" b="0" i="0" u="none" strike="noStrike" cap="none" normalizeH="0" baseline="0" dirty="0">
+                <a:ln>
+                  <a:noFill/>
+                </a:ln>
+                <a:solidFill>
+                  <a:srgbClr val="000000"/>
+                </a:solidFill>
+                <a:effectLst/>
+                <a:latin typeface="Consolas" panose="020B0609020204030204" pitchFamily="49" charset="0"/>
+              </a:rPr>
+              <a:t>Multithread {</a:t>
+            </a:r>
+            <a:endParaRPr kumimoji="0" lang="en-US" altLang="en-US" sz="800" b="0" i="0" u="none" strike="noStrike" cap="none" normalizeH="0" baseline="0" dirty="0">
+              <a:ln>
+                <a:noFill/>
+              </a:ln>
+              <a:solidFill>
+                <a:schemeClr val="tx1"/>
+              </a:solidFill>
+              <a:effectLst/>
+            </a:endParaRPr>
+          </a:p>
+          <a:p>
+            <a:pPr marL="0" marR="0" lvl="0" indent="0" algn="l" defTabSz="914400" rtl="0" eaLnBrk="0" fontAlgn="base" latinLnBrk="0" hangingPunct="0">
+              <a:lnSpc>
+                <a:spcPct val="100000"/>
+              </a:lnSpc>
+              <a:spcBef>
+                <a:spcPct val="0"/>
+              </a:spcBef>
+              <a:spcAft>
+                <a:spcPct val="0"/>
+              </a:spcAft>
+              <a:buClrTx/>
+              <a:buSzTx/>
+              <a:buFontTx/>
+              <a:buNone/>
+              <a:tabLst/>
+            </a:pPr>
+            <a:r>
+              <a:rPr kumimoji="0" lang="en-US" altLang="en-US" sz="1100" b="0" i="0" u="none" strike="noStrike" cap="none" normalizeH="0" baseline="0" dirty="0">
+                <a:ln>
+                  <a:noFill/>
+                </a:ln>
+                <a:solidFill>
+                  <a:srgbClr val="273239"/>
+                </a:solidFill>
+                <a:effectLst/>
+                <a:latin typeface="Consolas" panose="020B0609020204030204" pitchFamily="49" charset="0"/>
+              </a:rPr>
+              <a:t>    </a:t>
+            </a:r>
+            <a:r>
+              <a:rPr kumimoji="0" lang="en-US" altLang="en-US" sz="1100" b="1" i="0" u="none" strike="noStrike" cap="none" normalizeH="0" baseline="0" dirty="0">
+                <a:ln>
+                  <a:noFill/>
+                </a:ln>
+                <a:solidFill>
+                  <a:srgbClr val="006699"/>
+                </a:solidFill>
+                <a:effectLst/>
+                <a:latin typeface="Consolas" panose="020B0609020204030204" pitchFamily="49" charset="0"/>
+              </a:rPr>
+              <a:t>public</a:t>
+            </a:r>
+            <a:r>
+              <a:rPr kumimoji="0" lang="en-US" altLang="en-US" sz="800" b="0" i="0" u="none" strike="noStrike" cap="none" normalizeH="0" baseline="0" dirty="0">
+                <a:ln>
+                  <a:noFill/>
+                </a:ln>
+                <a:solidFill>
+                  <a:srgbClr val="273239"/>
+                </a:solidFill>
+                <a:effectLst/>
+                <a:latin typeface="Consolas" panose="020B0609020204030204" pitchFamily="49" charset="0"/>
+              </a:rPr>
+              <a:t> </a:t>
+            </a:r>
+            <a:r>
+              <a:rPr kumimoji="0" lang="en-US" altLang="en-US" sz="1100" b="1" i="0" u="none" strike="noStrike" cap="none" normalizeH="0" baseline="0" dirty="0">
+                <a:ln>
+                  <a:noFill/>
+                </a:ln>
+                <a:solidFill>
+                  <a:srgbClr val="006699"/>
+                </a:solidFill>
+                <a:effectLst/>
+                <a:latin typeface="Consolas" panose="020B0609020204030204" pitchFamily="49" charset="0"/>
+              </a:rPr>
+              <a:t>static</a:t>
+            </a:r>
+            <a:r>
+              <a:rPr kumimoji="0" lang="en-US" altLang="en-US" sz="800" b="0" i="0" u="none" strike="noStrike" cap="none" normalizeH="0" baseline="0" dirty="0">
+                <a:ln>
+                  <a:noFill/>
+                </a:ln>
+                <a:solidFill>
+                  <a:srgbClr val="273239"/>
+                </a:solidFill>
+                <a:effectLst/>
+                <a:latin typeface="Consolas" panose="020B0609020204030204" pitchFamily="49" charset="0"/>
+              </a:rPr>
+              <a:t> </a:t>
+            </a:r>
+            <a:r>
+              <a:rPr kumimoji="0" lang="en-US" altLang="en-US" sz="1100" b="1" i="0" u="none" strike="noStrike" cap="none" normalizeH="0" baseline="0" dirty="0">
+                <a:ln>
+                  <a:noFill/>
+                </a:ln>
+                <a:solidFill>
+                  <a:srgbClr val="006699"/>
+                </a:solidFill>
+                <a:effectLst/>
+                <a:latin typeface="Consolas" panose="020B0609020204030204" pitchFamily="49" charset="0"/>
+              </a:rPr>
+              <a:t>void</a:t>
+            </a:r>
+            <a:r>
+              <a:rPr kumimoji="0" lang="en-US" altLang="en-US" sz="800" b="0" i="0" u="none" strike="noStrike" cap="none" normalizeH="0" baseline="0" dirty="0">
+                <a:ln>
+                  <a:noFill/>
+                </a:ln>
+                <a:solidFill>
+                  <a:srgbClr val="273239"/>
+                </a:solidFill>
+                <a:effectLst/>
+                <a:latin typeface="Consolas" panose="020B0609020204030204" pitchFamily="49" charset="0"/>
+              </a:rPr>
+              <a:t> </a:t>
+            </a:r>
+            <a:r>
+              <a:rPr kumimoji="0" lang="en-US" altLang="en-US" sz="1100" b="0" i="0" u="none" strike="noStrike" cap="none" normalizeH="0" baseline="0" dirty="0">
+                <a:ln>
+                  <a:noFill/>
+                </a:ln>
+                <a:solidFill>
+                  <a:srgbClr val="000000"/>
+                </a:solidFill>
+                <a:effectLst/>
+                <a:latin typeface="Consolas" panose="020B0609020204030204" pitchFamily="49" charset="0"/>
+              </a:rPr>
+              <a:t>main(String[] </a:t>
+            </a:r>
+            <a:r>
+              <a:rPr kumimoji="0" lang="en-US" altLang="en-US" sz="1100" b="0" i="0" u="none" strike="noStrike" cap="none" normalizeH="0" baseline="0" dirty="0" err="1">
+                <a:ln>
+                  <a:noFill/>
+                </a:ln>
+                <a:solidFill>
+                  <a:srgbClr val="000000"/>
+                </a:solidFill>
+                <a:effectLst/>
+                <a:latin typeface="Consolas" panose="020B0609020204030204" pitchFamily="49" charset="0"/>
+              </a:rPr>
+              <a:t>args</a:t>
+            </a:r>
+            <a:r>
+              <a:rPr kumimoji="0" lang="en-US" altLang="en-US" sz="1100" b="0" i="0" u="none" strike="noStrike" cap="none" normalizeH="0" baseline="0" dirty="0">
+                <a:ln>
+                  <a:noFill/>
+                </a:ln>
+                <a:solidFill>
+                  <a:srgbClr val="000000"/>
+                </a:solidFill>
+                <a:effectLst/>
+                <a:latin typeface="Consolas" panose="020B0609020204030204" pitchFamily="49" charset="0"/>
+              </a:rPr>
+              <a:t>)</a:t>
+            </a:r>
+            <a:endParaRPr kumimoji="0" lang="en-US" altLang="en-US" sz="800" b="0" i="0" u="none" strike="noStrike" cap="none" normalizeH="0" baseline="0" dirty="0">
+              <a:ln>
+                <a:noFill/>
+              </a:ln>
+              <a:solidFill>
+                <a:schemeClr val="tx1"/>
+              </a:solidFill>
+              <a:effectLst/>
+            </a:endParaRPr>
+          </a:p>
+          <a:p>
+            <a:pPr marL="0" marR="0" lvl="0" indent="0" algn="l" defTabSz="914400" rtl="0" eaLnBrk="0" fontAlgn="base" latinLnBrk="0" hangingPunct="0">
+              <a:lnSpc>
+                <a:spcPct val="100000"/>
+              </a:lnSpc>
+              <a:spcBef>
+                <a:spcPct val="0"/>
+              </a:spcBef>
+              <a:spcAft>
+                <a:spcPct val="0"/>
+              </a:spcAft>
+              <a:buClrTx/>
+              <a:buSzTx/>
+              <a:buFontTx/>
+              <a:buNone/>
+              <a:tabLst/>
+            </a:pPr>
+            <a:r>
+              <a:rPr kumimoji="0" lang="en-US" altLang="en-US" sz="1100" b="0" i="0" u="none" strike="noStrike" cap="none" normalizeH="0" baseline="0" dirty="0">
+                <a:ln>
+                  <a:noFill/>
+                </a:ln>
+                <a:solidFill>
+                  <a:srgbClr val="273239"/>
+                </a:solidFill>
+                <a:effectLst/>
+                <a:latin typeface="Consolas" panose="020B0609020204030204" pitchFamily="49" charset="0"/>
+              </a:rPr>
+              <a:t>    </a:t>
+            </a:r>
+            <a:r>
+              <a:rPr kumimoji="0" lang="en-US" altLang="en-US" sz="1100" b="0" i="0" u="none" strike="noStrike" cap="none" normalizeH="0" baseline="0" dirty="0">
+                <a:ln>
+                  <a:noFill/>
+                </a:ln>
+                <a:solidFill>
+                  <a:srgbClr val="000000"/>
+                </a:solidFill>
+                <a:effectLst/>
+                <a:latin typeface="Consolas" panose="020B0609020204030204" pitchFamily="49" charset="0"/>
+              </a:rPr>
+              <a:t>{</a:t>
+            </a:r>
+            <a:endParaRPr kumimoji="0" lang="en-US" altLang="en-US" sz="800" b="0" i="0" u="none" strike="noStrike" cap="none" normalizeH="0" baseline="0" dirty="0">
+              <a:ln>
+                <a:noFill/>
+              </a:ln>
+              <a:solidFill>
+                <a:schemeClr val="tx1"/>
+              </a:solidFill>
+              <a:effectLst/>
+            </a:endParaRPr>
+          </a:p>
+          <a:p>
+            <a:pPr marL="0" marR="0" lvl="0" indent="0" algn="l" defTabSz="914400" rtl="0" eaLnBrk="0" fontAlgn="base" latinLnBrk="0" hangingPunct="0">
+              <a:lnSpc>
+                <a:spcPct val="100000"/>
+              </a:lnSpc>
+              <a:spcBef>
+                <a:spcPct val="0"/>
+              </a:spcBef>
+              <a:spcAft>
+                <a:spcPct val="0"/>
+              </a:spcAft>
+              <a:buClrTx/>
+              <a:buSzTx/>
+              <a:buFontTx/>
+              <a:buNone/>
+              <a:tabLst/>
+            </a:pPr>
+            <a:r>
+              <a:rPr kumimoji="0" lang="en-US" altLang="en-US" sz="1100" b="0" i="0" u="none" strike="noStrike" cap="none" normalizeH="0" baseline="0" dirty="0">
+                <a:ln>
+                  <a:noFill/>
+                </a:ln>
+                <a:solidFill>
+                  <a:srgbClr val="273239"/>
+                </a:solidFill>
+                <a:effectLst/>
+                <a:latin typeface="Consolas" panose="020B0609020204030204" pitchFamily="49" charset="0"/>
+              </a:rPr>
+              <a:t>        </a:t>
+            </a:r>
+            <a:r>
+              <a:rPr kumimoji="0" lang="en-US" altLang="en-US" sz="1100" b="1" i="0" u="none" strike="noStrike" cap="none" normalizeH="0" baseline="0" dirty="0">
+                <a:ln>
+                  <a:noFill/>
+                </a:ln>
+                <a:solidFill>
+                  <a:srgbClr val="006699"/>
+                </a:solidFill>
+                <a:effectLst/>
+                <a:latin typeface="Consolas" panose="020B0609020204030204" pitchFamily="49" charset="0"/>
+              </a:rPr>
+              <a:t>int</a:t>
+            </a:r>
+            <a:r>
+              <a:rPr kumimoji="0" lang="en-US" altLang="en-US" sz="800" b="0" i="0" u="none" strike="noStrike" cap="none" normalizeH="0" baseline="0" dirty="0">
+                <a:ln>
+                  <a:noFill/>
+                </a:ln>
+                <a:solidFill>
+                  <a:srgbClr val="273239"/>
+                </a:solidFill>
+                <a:effectLst/>
+                <a:latin typeface="Consolas" panose="020B0609020204030204" pitchFamily="49" charset="0"/>
+              </a:rPr>
+              <a:t> </a:t>
+            </a:r>
+            <a:r>
+              <a:rPr kumimoji="0" lang="en-US" altLang="en-US" sz="1100" b="0" i="0" u="none" strike="noStrike" cap="none" normalizeH="0" baseline="0" dirty="0">
+                <a:ln>
+                  <a:noFill/>
+                </a:ln>
+                <a:solidFill>
+                  <a:srgbClr val="000000"/>
+                </a:solidFill>
+                <a:effectLst/>
+                <a:latin typeface="Consolas" panose="020B0609020204030204" pitchFamily="49" charset="0"/>
+              </a:rPr>
+              <a:t>n = </a:t>
+            </a:r>
+            <a:r>
+              <a:rPr kumimoji="0" lang="en-US" altLang="en-US" sz="1100" b="0" i="0" u="none" strike="noStrike" cap="none" normalizeH="0" baseline="0" dirty="0">
+                <a:ln>
+                  <a:noFill/>
+                </a:ln>
+                <a:solidFill>
+                  <a:srgbClr val="009900"/>
+                </a:solidFill>
+                <a:effectLst/>
+                <a:latin typeface="Consolas" panose="020B0609020204030204" pitchFamily="49" charset="0"/>
+              </a:rPr>
+              <a:t>8</a:t>
+            </a:r>
+            <a:r>
+              <a:rPr kumimoji="0" lang="en-US" altLang="en-US" sz="1100" b="0" i="0" u="none" strike="noStrike" cap="none" normalizeH="0" baseline="0" dirty="0">
+                <a:ln>
+                  <a:noFill/>
+                </a:ln>
+                <a:solidFill>
+                  <a:srgbClr val="000000"/>
+                </a:solidFill>
+                <a:effectLst/>
+                <a:latin typeface="Consolas" panose="020B0609020204030204" pitchFamily="49" charset="0"/>
+              </a:rPr>
+              <a:t>; </a:t>
+            </a:r>
+            <a:r>
+              <a:rPr kumimoji="0" lang="en-US" altLang="en-US" sz="1100" b="0" i="0" u="none" strike="noStrike" cap="none" normalizeH="0" baseline="0" dirty="0">
+                <a:ln>
+                  <a:noFill/>
+                </a:ln>
+                <a:solidFill>
+                  <a:srgbClr val="008200"/>
+                </a:solidFill>
+                <a:effectLst/>
+                <a:latin typeface="Consolas" panose="020B0609020204030204" pitchFamily="49" charset="0"/>
+              </a:rPr>
+              <a:t>// Number of threads</a:t>
+            </a:r>
+            <a:endParaRPr kumimoji="0" lang="en-US" altLang="en-US" sz="800" b="0" i="0" u="none" strike="noStrike" cap="none" normalizeH="0" baseline="0" dirty="0">
+              <a:ln>
+                <a:noFill/>
+              </a:ln>
+              <a:solidFill>
+                <a:schemeClr val="tx1"/>
+              </a:solidFill>
+              <a:effectLst/>
+            </a:endParaRPr>
+          </a:p>
+          <a:p>
+            <a:pPr marL="0" marR="0" lvl="0" indent="0" algn="l" defTabSz="914400" rtl="0" eaLnBrk="0" fontAlgn="base" latinLnBrk="0" hangingPunct="0">
+              <a:lnSpc>
+                <a:spcPct val="100000"/>
+              </a:lnSpc>
+              <a:spcBef>
+                <a:spcPct val="0"/>
+              </a:spcBef>
+              <a:spcAft>
+                <a:spcPct val="0"/>
+              </a:spcAft>
+              <a:buClrTx/>
+              <a:buSzTx/>
+              <a:buFontTx/>
+              <a:buNone/>
+              <a:tabLst/>
+            </a:pPr>
+            <a:r>
+              <a:rPr kumimoji="0" lang="en-US" altLang="en-US" sz="1100" b="0" i="0" u="none" strike="noStrike" cap="none" normalizeH="0" baseline="0" dirty="0">
+                <a:ln>
+                  <a:noFill/>
+                </a:ln>
+                <a:solidFill>
+                  <a:srgbClr val="273239"/>
+                </a:solidFill>
+                <a:effectLst/>
+                <a:latin typeface="Consolas" panose="020B0609020204030204" pitchFamily="49" charset="0"/>
+              </a:rPr>
+              <a:t>      </a:t>
+            </a:r>
+            <a:r>
+              <a:rPr kumimoji="0" lang="en-US" altLang="en-US" sz="1100" b="0" i="0" u="none" strike="noStrike" cap="none" normalizeH="0" baseline="0" dirty="0">
+                <a:ln>
+                  <a:noFill/>
+                </a:ln>
+                <a:solidFill>
+                  <a:srgbClr val="273239"/>
+                </a:solidFill>
+                <a:effectLst/>
+                <a:highlight>
+                  <a:srgbClr val="FFFF00"/>
+                </a:highlight>
+                <a:latin typeface="Consolas" panose="020B0609020204030204" pitchFamily="49" charset="0"/>
+              </a:rPr>
+              <a:t>  </a:t>
+            </a:r>
+            <a:r>
+              <a:rPr kumimoji="0" lang="en-US" altLang="en-US" sz="1100" b="1" i="0" u="none" strike="noStrike" cap="none" normalizeH="0" baseline="0" dirty="0">
+                <a:ln>
+                  <a:noFill/>
+                </a:ln>
+                <a:solidFill>
+                  <a:srgbClr val="006699"/>
+                </a:solidFill>
+                <a:effectLst/>
+                <a:highlight>
+                  <a:srgbClr val="FFFF00"/>
+                </a:highlight>
+                <a:latin typeface="Consolas" panose="020B0609020204030204" pitchFamily="49" charset="0"/>
+              </a:rPr>
+              <a:t>for</a:t>
+            </a:r>
+            <a:r>
+              <a:rPr kumimoji="0" lang="en-US" altLang="en-US" sz="800" b="0" i="0" u="none" strike="noStrike" cap="none" normalizeH="0" baseline="0" dirty="0">
+                <a:ln>
+                  <a:noFill/>
+                </a:ln>
+                <a:solidFill>
+                  <a:srgbClr val="273239"/>
+                </a:solidFill>
+                <a:effectLst/>
+                <a:highlight>
+                  <a:srgbClr val="FFFF00"/>
+                </a:highlight>
+                <a:latin typeface="Consolas" panose="020B0609020204030204" pitchFamily="49" charset="0"/>
+              </a:rPr>
+              <a:t> </a:t>
+            </a:r>
+            <a:r>
+              <a:rPr kumimoji="0" lang="en-US" altLang="en-US" sz="1100" b="0" i="0" u="none" strike="noStrike" cap="none" normalizeH="0" baseline="0" dirty="0">
+                <a:ln>
+                  <a:noFill/>
+                </a:ln>
+                <a:solidFill>
+                  <a:srgbClr val="000000"/>
+                </a:solidFill>
+                <a:effectLst/>
+                <a:highlight>
+                  <a:srgbClr val="FFFF00"/>
+                </a:highlight>
+                <a:latin typeface="Consolas" panose="020B0609020204030204" pitchFamily="49" charset="0"/>
+              </a:rPr>
+              <a:t>(</a:t>
+            </a:r>
+            <a:r>
+              <a:rPr kumimoji="0" lang="en-US" altLang="en-US" sz="1100" b="1" i="0" u="none" strike="noStrike" cap="none" normalizeH="0" baseline="0" dirty="0">
+                <a:ln>
+                  <a:noFill/>
+                </a:ln>
+                <a:solidFill>
+                  <a:srgbClr val="006699"/>
+                </a:solidFill>
+                <a:effectLst/>
+                <a:highlight>
+                  <a:srgbClr val="FFFF00"/>
+                </a:highlight>
+                <a:latin typeface="Consolas" panose="020B0609020204030204" pitchFamily="49" charset="0"/>
+              </a:rPr>
+              <a:t>int</a:t>
+            </a:r>
+            <a:r>
+              <a:rPr kumimoji="0" lang="en-US" altLang="en-US" sz="800" b="0" i="0" u="none" strike="noStrike" cap="none" normalizeH="0" baseline="0" dirty="0">
+                <a:ln>
+                  <a:noFill/>
+                </a:ln>
+                <a:solidFill>
+                  <a:srgbClr val="273239"/>
+                </a:solidFill>
+                <a:effectLst/>
+                <a:highlight>
+                  <a:srgbClr val="FFFF00"/>
+                </a:highlight>
+                <a:latin typeface="Consolas" panose="020B0609020204030204" pitchFamily="49" charset="0"/>
+              </a:rPr>
+              <a:t> </a:t>
+            </a:r>
+            <a:r>
+              <a:rPr kumimoji="0" lang="en-US" altLang="en-US" sz="1100" b="0" i="0" u="none" strike="noStrike" cap="none" normalizeH="0" baseline="0" dirty="0" err="1">
+                <a:ln>
+                  <a:noFill/>
+                </a:ln>
+                <a:solidFill>
+                  <a:srgbClr val="000000"/>
+                </a:solidFill>
+                <a:effectLst/>
+                <a:highlight>
+                  <a:srgbClr val="FFFF00"/>
+                </a:highlight>
+                <a:latin typeface="Consolas" panose="020B0609020204030204" pitchFamily="49" charset="0"/>
+              </a:rPr>
+              <a:t>i</a:t>
+            </a:r>
+            <a:r>
+              <a:rPr kumimoji="0" lang="en-US" altLang="en-US" sz="1100" b="0" i="0" u="none" strike="noStrike" cap="none" normalizeH="0" baseline="0" dirty="0">
+                <a:ln>
+                  <a:noFill/>
+                </a:ln>
+                <a:solidFill>
+                  <a:srgbClr val="000000"/>
+                </a:solidFill>
+                <a:effectLst/>
+                <a:highlight>
+                  <a:srgbClr val="FFFF00"/>
+                </a:highlight>
+                <a:latin typeface="Consolas" panose="020B0609020204030204" pitchFamily="49" charset="0"/>
+              </a:rPr>
+              <a:t> = </a:t>
+            </a:r>
+            <a:r>
+              <a:rPr kumimoji="0" lang="en-US" altLang="en-US" sz="1100" b="0" i="0" u="none" strike="noStrike" cap="none" normalizeH="0" baseline="0" dirty="0">
+                <a:ln>
+                  <a:noFill/>
+                </a:ln>
+                <a:solidFill>
+                  <a:srgbClr val="009900"/>
+                </a:solidFill>
+                <a:effectLst/>
+                <a:highlight>
+                  <a:srgbClr val="FFFF00"/>
+                </a:highlight>
+                <a:latin typeface="Consolas" panose="020B0609020204030204" pitchFamily="49" charset="0"/>
+              </a:rPr>
+              <a:t>0</a:t>
+            </a:r>
+            <a:r>
+              <a:rPr kumimoji="0" lang="en-US" altLang="en-US" sz="1100" b="0" i="0" u="none" strike="noStrike" cap="none" normalizeH="0" baseline="0" dirty="0">
+                <a:ln>
+                  <a:noFill/>
+                </a:ln>
+                <a:solidFill>
+                  <a:srgbClr val="000000"/>
+                </a:solidFill>
+                <a:effectLst/>
+                <a:highlight>
+                  <a:srgbClr val="FFFF00"/>
+                </a:highlight>
+                <a:latin typeface="Consolas" panose="020B0609020204030204" pitchFamily="49" charset="0"/>
+              </a:rPr>
+              <a:t>; </a:t>
+            </a:r>
+            <a:r>
+              <a:rPr kumimoji="0" lang="en-US" altLang="en-US" sz="1100" b="0" i="0" u="none" strike="noStrike" cap="none" normalizeH="0" baseline="0" dirty="0" err="1">
+                <a:ln>
+                  <a:noFill/>
+                </a:ln>
+                <a:solidFill>
+                  <a:srgbClr val="000000"/>
+                </a:solidFill>
+                <a:effectLst/>
+                <a:highlight>
+                  <a:srgbClr val="FFFF00"/>
+                </a:highlight>
+                <a:latin typeface="Consolas" panose="020B0609020204030204" pitchFamily="49" charset="0"/>
+              </a:rPr>
+              <a:t>i</a:t>
+            </a:r>
+            <a:r>
+              <a:rPr kumimoji="0" lang="en-US" altLang="en-US" sz="1100" b="0" i="0" u="none" strike="noStrike" cap="none" normalizeH="0" baseline="0" dirty="0">
+                <a:ln>
+                  <a:noFill/>
+                </a:ln>
+                <a:solidFill>
+                  <a:srgbClr val="000000"/>
+                </a:solidFill>
+                <a:effectLst/>
+                <a:highlight>
+                  <a:srgbClr val="FFFF00"/>
+                </a:highlight>
+                <a:latin typeface="Consolas" panose="020B0609020204030204" pitchFamily="49" charset="0"/>
+              </a:rPr>
+              <a:t> &lt; n; </a:t>
+            </a:r>
+            <a:r>
+              <a:rPr kumimoji="0" lang="en-US" altLang="en-US" sz="1100" b="0" i="0" u="none" strike="noStrike" cap="none" normalizeH="0" baseline="0" dirty="0" err="1">
+                <a:ln>
+                  <a:noFill/>
+                </a:ln>
+                <a:solidFill>
+                  <a:srgbClr val="000000"/>
+                </a:solidFill>
+                <a:effectLst/>
+                <a:highlight>
+                  <a:srgbClr val="FFFF00"/>
+                </a:highlight>
+                <a:latin typeface="Consolas" panose="020B0609020204030204" pitchFamily="49" charset="0"/>
+              </a:rPr>
+              <a:t>i</a:t>
+            </a:r>
+            <a:r>
+              <a:rPr kumimoji="0" lang="en-US" altLang="en-US" sz="1100" b="0" i="0" u="none" strike="noStrike" cap="none" normalizeH="0" baseline="0" dirty="0">
+                <a:ln>
+                  <a:noFill/>
+                </a:ln>
+                <a:solidFill>
+                  <a:srgbClr val="000000"/>
+                </a:solidFill>
+                <a:effectLst/>
+                <a:highlight>
+                  <a:srgbClr val="FFFF00"/>
+                </a:highlight>
+                <a:latin typeface="Consolas" panose="020B0609020204030204" pitchFamily="49" charset="0"/>
+              </a:rPr>
+              <a:t>++) {</a:t>
+            </a:r>
+            <a:endParaRPr kumimoji="0" lang="en-US" altLang="en-US" sz="800" b="0" i="0" u="none" strike="noStrike" cap="none" normalizeH="0" baseline="0" dirty="0">
+              <a:ln>
+                <a:noFill/>
+              </a:ln>
+              <a:solidFill>
+                <a:schemeClr val="tx1"/>
+              </a:solidFill>
+              <a:effectLst/>
+              <a:highlight>
+                <a:srgbClr val="FFFF00"/>
+              </a:highlight>
+            </a:endParaRPr>
+          </a:p>
+          <a:p>
+            <a:pPr marL="0" marR="0" lvl="0" indent="0" algn="l" defTabSz="914400" rtl="0" eaLnBrk="0" fontAlgn="base" latinLnBrk="0" hangingPunct="0">
+              <a:lnSpc>
+                <a:spcPct val="100000"/>
+              </a:lnSpc>
+              <a:spcBef>
+                <a:spcPct val="0"/>
+              </a:spcBef>
+              <a:spcAft>
+                <a:spcPct val="0"/>
+              </a:spcAft>
+              <a:buClrTx/>
+              <a:buSzTx/>
+              <a:buFontTx/>
+              <a:buNone/>
+              <a:tabLst/>
+            </a:pPr>
+            <a:r>
+              <a:rPr kumimoji="0" lang="en-US" altLang="en-US" sz="1100" b="0" i="0" u="none" strike="noStrike" cap="none" normalizeH="0" baseline="0" dirty="0">
+                <a:ln>
+                  <a:noFill/>
+                </a:ln>
+                <a:solidFill>
+                  <a:srgbClr val="273239"/>
+                </a:solidFill>
+                <a:effectLst/>
+                <a:highlight>
+                  <a:srgbClr val="FFFF00"/>
+                </a:highlight>
+                <a:latin typeface="Consolas" panose="020B0609020204030204" pitchFamily="49" charset="0"/>
+              </a:rPr>
+              <a:t>            </a:t>
+            </a:r>
+            <a:r>
+              <a:rPr kumimoji="0" lang="en-US" altLang="en-US" sz="1100" b="0" i="0" u="none" strike="noStrike" cap="none" normalizeH="0" baseline="0" dirty="0">
+                <a:ln>
+                  <a:noFill/>
+                </a:ln>
+                <a:solidFill>
+                  <a:srgbClr val="000000"/>
+                </a:solidFill>
+                <a:effectLst/>
+                <a:highlight>
+                  <a:srgbClr val="FFFF00"/>
+                </a:highlight>
+                <a:latin typeface="Consolas" panose="020B0609020204030204" pitchFamily="49" charset="0"/>
+              </a:rPr>
+              <a:t>Thread object</a:t>
+            </a:r>
+            <a:endParaRPr kumimoji="0" lang="en-US" altLang="en-US" sz="800" b="0" i="0" u="none" strike="noStrike" cap="none" normalizeH="0" baseline="0" dirty="0">
+              <a:ln>
+                <a:noFill/>
+              </a:ln>
+              <a:solidFill>
+                <a:schemeClr val="tx1"/>
+              </a:solidFill>
+              <a:effectLst/>
+              <a:highlight>
+                <a:srgbClr val="FFFF00"/>
+              </a:highlight>
+            </a:endParaRPr>
+          </a:p>
+          <a:p>
+            <a:pPr marL="0" marR="0" lvl="0" indent="0" algn="l" defTabSz="914400" rtl="0" eaLnBrk="0" fontAlgn="base" latinLnBrk="0" hangingPunct="0">
+              <a:lnSpc>
+                <a:spcPct val="100000"/>
+              </a:lnSpc>
+              <a:spcBef>
+                <a:spcPct val="0"/>
+              </a:spcBef>
+              <a:spcAft>
+                <a:spcPct val="0"/>
+              </a:spcAft>
+              <a:buClrTx/>
+              <a:buSzTx/>
+              <a:buFontTx/>
+              <a:buNone/>
+              <a:tabLst/>
+            </a:pPr>
+            <a:r>
+              <a:rPr kumimoji="0" lang="en-US" altLang="en-US" sz="1100" b="0" i="0" u="none" strike="noStrike" cap="none" normalizeH="0" baseline="0" dirty="0">
+                <a:ln>
+                  <a:noFill/>
+                </a:ln>
+                <a:solidFill>
+                  <a:srgbClr val="273239"/>
+                </a:solidFill>
+                <a:effectLst/>
+                <a:highlight>
+                  <a:srgbClr val="FFFF00"/>
+                </a:highlight>
+                <a:latin typeface="Consolas" panose="020B0609020204030204" pitchFamily="49" charset="0"/>
+              </a:rPr>
+              <a:t>                </a:t>
+            </a:r>
+            <a:r>
+              <a:rPr kumimoji="0" lang="en-US" altLang="en-US" sz="1100" b="0" i="0" u="none" strike="noStrike" cap="none" normalizeH="0" baseline="0" dirty="0">
+                <a:ln>
+                  <a:noFill/>
+                </a:ln>
+                <a:solidFill>
+                  <a:srgbClr val="000000"/>
+                </a:solidFill>
+                <a:effectLst/>
+                <a:highlight>
+                  <a:srgbClr val="FFFF00"/>
+                </a:highlight>
+                <a:latin typeface="Consolas" panose="020B0609020204030204" pitchFamily="49" charset="0"/>
+              </a:rPr>
+              <a:t>= </a:t>
+            </a:r>
+            <a:r>
+              <a:rPr kumimoji="0" lang="en-US" altLang="en-US" sz="1100" b="1" i="0" u="none" strike="noStrike" cap="none" normalizeH="0" baseline="0" dirty="0">
+                <a:ln>
+                  <a:noFill/>
+                </a:ln>
+                <a:solidFill>
+                  <a:srgbClr val="006699"/>
+                </a:solidFill>
+                <a:effectLst/>
+                <a:highlight>
+                  <a:srgbClr val="FFFF00"/>
+                </a:highlight>
+                <a:latin typeface="Consolas" panose="020B0609020204030204" pitchFamily="49" charset="0"/>
+              </a:rPr>
+              <a:t>new</a:t>
+            </a:r>
+            <a:r>
+              <a:rPr kumimoji="0" lang="en-US" altLang="en-US" sz="800" b="0" i="0" u="none" strike="noStrike" cap="none" normalizeH="0" baseline="0" dirty="0">
+                <a:ln>
+                  <a:noFill/>
+                </a:ln>
+                <a:solidFill>
+                  <a:srgbClr val="273239"/>
+                </a:solidFill>
+                <a:effectLst/>
+                <a:highlight>
+                  <a:srgbClr val="FFFF00"/>
+                </a:highlight>
+                <a:latin typeface="Consolas" panose="020B0609020204030204" pitchFamily="49" charset="0"/>
+              </a:rPr>
+              <a:t> </a:t>
+            </a:r>
+            <a:r>
+              <a:rPr kumimoji="0" lang="en-US" altLang="en-US" sz="1100" b="0" i="0" u="none" strike="noStrike" cap="none" normalizeH="0" baseline="0" dirty="0">
+                <a:ln>
+                  <a:noFill/>
+                </a:ln>
+                <a:solidFill>
+                  <a:srgbClr val="000000"/>
+                </a:solidFill>
+                <a:effectLst/>
+                <a:highlight>
+                  <a:srgbClr val="FFFF00"/>
+                </a:highlight>
+                <a:latin typeface="Consolas" panose="020B0609020204030204" pitchFamily="49" charset="0"/>
+              </a:rPr>
+              <a:t>Thread(</a:t>
+            </a:r>
+            <a:r>
+              <a:rPr kumimoji="0" lang="en-US" altLang="en-US" sz="1100" b="1" i="0" u="none" strike="noStrike" cap="none" normalizeH="0" baseline="0" dirty="0">
+                <a:ln>
+                  <a:noFill/>
+                </a:ln>
+                <a:solidFill>
+                  <a:srgbClr val="006699"/>
+                </a:solidFill>
+                <a:effectLst/>
+                <a:highlight>
+                  <a:srgbClr val="FFFF00"/>
+                </a:highlight>
+                <a:latin typeface="Consolas" panose="020B0609020204030204" pitchFamily="49" charset="0"/>
+              </a:rPr>
+              <a:t>new</a:t>
+            </a:r>
+            <a:r>
+              <a:rPr kumimoji="0" lang="en-US" altLang="en-US" sz="800" b="0" i="0" u="none" strike="noStrike" cap="none" normalizeH="0" baseline="0" dirty="0">
+                <a:ln>
+                  <a:noFill/>
+                </a:ln>
+                <a:solidFill>
+                  <a:srgbClr val="273239"/>
+                </a:solidFill>
+                <a:effectLst/>
+                <a:highlight>
+                  <a:srgbClr val="FFFF00"/>
+                </a:highlight>
+                <a:latin typeface="Consolas" panose="020B0609020204030204" pitchFamily="49" charset="0"/>
+              </a:rPr>
+              <a:t> </a:t>
+            </a:r>
+            <a:r>
+              <a:rPr kumimoji="0" lang="en-US" altLang="en-US" sz="1100" b="0" i="0" u="none" strike="noStrike" cap="none" normalizeH="0" baseline="0" dirty="0" err="1">
+                <a:ln>
+                  <a:noFill/>
+                </a:ln>
+                <a:solidFill>
+                  <a:srgbClr val="000000"/>
+                </a:solidFill>
+                <a:effectLst/>
+                <a:highlight>
+                  <a:srgbClr val="FFFF00"/>
+                </a:highlight>
+                <a:latin typeface="Consolas" panose="020B0609020204030204" pitchFamily="49" charset="0"/>
+              </a:rPr>
+              <a:t>MultithreadingDemo</a:t>
+            </a:r>
+            <a:r>
+              <a:rPr kumimoji="0" lang="en-US" altLang="en-US" sz="1100" b="0" i="0" u="none" strike="noStrike" cap="none" normalizeH="0" baseline="0" dirty="0">
+                <a:ln>
+                  <a:noFill/>
+                </a:ln>
+                <a:solidFill>
+                  <a:srgbClr val="000000"/>
+                </a:solidFill>
+                <a:effectLst/>
+                <a:highlight>
+                  <a:srgbClr val="FFFF00"/>
+                </a:highlight>
+                <a:latin typeface="Consolas" panose="020B0609020204030204" pitchFamily="49" charset="0"/>
+              </a:rPr>
+              <a:t>());</a:t>
+            </a:r>
+            <a:endParaRPr kumimoji="0" lang="en-US" altLang="en-US" sz="800" b="0" i="0" u="none" strike="noStrike" cap="none" normalizeH="0" baseline="0" dirty="0">
+              <a:ln>
+                <a:noFill/>
+              </a:ln>
+              <a:solidFill>
+                <a:schemeClr val="tx1"/>
+              </a:solidFill>
+              <a:effectLst/>
+              <a:highlight>
+                <a:srgbClr val="FFFF00"/>
+              </a:highlight>
+            </a:endParaRPr>
+          </a:p>
+          <a:p>
+            <a:pPr marL="0" marR="0" lvl="0" indent="0" algn="l" defTabSz="914400" rtl="0" eaLnBrk="0" fontAlgn="base" latinLnBrk="0" hangingPunct="0">
+              <a:lnSpc>
+                <a:spcPct val="100000"/>
+              </a:lnSpc>
+              <a:spcBef>
+                <a:spcPct val="0"/>
+              </a:spcBef>
+              <a:spcAft>
+                <a:spcPct val="0"/>
+              </a:spcAft>
+              <a:buClrTx/>
+              <a:buSzTx/>
+              <a:buFontTx/>
+              <a:buNone/>
+              <a:tabLst/>
+            </a:pPr>
+            <a:r>
+              <a:rPr kumimoji="0" lang="en-US" altLang="en-US" sz="1100" b="0" i="0" u="none" strike="noStrike" cap="none" normalizeH="0" baseline="0" dirty="0">
+                <a:ln>
+                  <a:noFill/>
+                </a:ln>
+                <a:solidFill>
+                  <a:srgbClr val="273239"/>
+                </a:solidFill>
+                <a:effectLst/>
+                <a:latin typeface="Consolas" panose="020B0609020204030204" pitchFamily="49" charset="0"/>
+              </a:rPr>
+              <a:t>            </a:t>
+            </a:r>
+            <a:r>
+              <a:rPr kumimoji="0" lang="en-US" altLang="en-US" sz="1100" b="0" i="0" u="none" strike="noStrike" cap="none" normalizeH="0" baseline="0" dirty="0" err="1">
+                <a:ln>
+                  <a:noFill/>
+                </a:ln>
+                <a:solidFill>
+                  <a:srgbClr val="000000"/>
+                </a:solidFill>
+                <a:effectLst/>
+                <a:latin typeface="Consolas" panose="020B0609020204030204" pitchFamily="49" charset="0"/>
+              </a:rPr>
+              <a:t>object.start</a:t>
+            </a:r>
+            <a:r>
+              <a:rPr kumimoji="0" lang="en-US" altLang="en-US" sz="1100" b="0" i="0" u="none" strike="noStrike" cap="none" normalizeH="0" baseline="0" dirty="0">
+                <a:ln>
+                  <a:noFill/>
+                </a:ln>
+                <a:solidFill>
+                  <a:srgbClr val="000000"/>
+                </a:solidFill>
+                <a:effectLst/>
+                <a:latin typeface="Consolas" panose="020B0609020204030204" pitchFamily="49" charset="0"/>
+              </a:rPr>
+              <a:t>();</a:t>
+            </a:r>
+            <a:endParaRPr kumimoji="0" lang="en-US" altLang="en-US" sz="800" b="0" i="0" u="none" strike="noStrike" cap="none" normalizeH="0" baseline="0" dirty="0">
+              <a:ln>
+                <a:noFill/>
+              </a:ln>
+              <a:solidFill>
+                <a:schemeClr val="tx1"/>
+              </a:solidFill>
+              <a:effectLst/>
+            </a:endParaRPr>
+          </a:p>
+          <a:p>
+            <a:pPr marL="0" marR="0" lvl="0" indent="0" algn="l" defTabSz="914400" rtl="0" eaLnBrk="0" fontAlgn="base" latinLnBrk="0" hangingPunct="0">
+              <a:lnSpc>
+                <a:spcPct val="100000"/>
+              </a:lnSpc>
+              <a:spcBef>
+                <a:spcPct val="0"/>
+              </a:spcBef>
+              <a:spcAft>
+                <a:spcPct val="0"/>
+              </a:spcAft>
+              <a:buClrTx/>
+              <a:buSzTx/>
+              <a:buFontTx/>
+              <a:buNone/>
+              <a:tabLst/>
+            </a:pPr>
+            <a:r>
+              <a:rPr kumimoji="0" lang="en-US" altLang="en-US" sz="1100" b="0" i="0" u="none" strike="noStrike" cap="none" normalizeH="0" baseline="0" dirty="0">
+                <a:ln>
+                  <a:noFill/>
+                </a:ln>
+                <a:solidFill>
+                  <a:srgbClr val="273239"/>
+                </a:solidFill>
+                <a:effectLst/>
+                <a:latin typeface="Consolas" panose="020B0609020204030204" pitchFamily="49" charset="0"/>
+              </a:rPr>
+              <a:t>        </a:t>
+            </a:r>
+            <a:r>
+              <a:rPr kumimoji="0" lang="en-US" altLang="en-US" sz="1100" b="0" i="0" u="none" strike="noStrike" cap="none" normalizeH="0" baseline="0" dirty="0">
+                <a:ln>
+                  <a:noFill/>
+                </a:ln>
+                <a:solidFill>
+                  <a:srgbClr val="000000"/>
+                </a:solidFill>
+                <a:effectLst/>
+                <a:latin typeface="Consolas" panose="020B0609020204030204" pitchFamily="49" charset="0"/>
+              </a:rPr>
+              <a:t>}</a:t>
+            </a:r>
+            <a:endParaRPr kumimoji="0" lang="en-US" altLang="en-US" sz="800" b="0" i="0" u="none" strike="noStrike" cap="none" normalizeH="0" baseline="0" dirty="0">
+              <a:ln>
+                <a:noFill/>
+              </a:ln>
+              <a:solidFill>
+                <a:schemeClr val="tx1"/>
+              </a:solidFill>
+              <a:effectLst/>
+            </a:endParaRPr>
+          </a:p>
+          <a:p>
+            <a:pPr marL="0" marR="0" lvl="0" indent="0" algn="l" defTabSz="914400" rtl="0" eaLnBrk="0" fontAlgn="base" latinLnBrk="0" hangingPunct="0">
+              <a:lnSpc>
+                <a:spcPct val="100000"/>
+              </a:lnSpc>
+              <a:spcBef>
+                <a:spcPct val="0"/>
+              </a:spcBef>
+              <a:spcAft>
+                <a:spcPct val="0"/>
+              </a:spcAft>
+              <a:buClrTx/>
+              <a:buSzTx/>
+              <a:buFontTx/>
+              <a:buNone/>
+              <a:tabLst/>
+            </a:pPr>
+            <a:r>
+              <a:rPr kumimoji="0" lang="en-US" altLang="en-US" sz="1100" b="0" i="0" u="none" strike="noStrike" cap="none" normalizeH="0" baseline="0" dirty="0">
+                <a:ln>
+                  <a:noFill/>
+                </a:ln>
+                <a:solidFill>
+                  <a:srgbClr val="273239"/>
+                </a:solidFill>
+                <a:effectLst/>
+                <a:latin typeface="Consolas" panose="020B0609020204030204" pitchFamily="49" charset="0"/>
+              </a:rPr>
+              <a:t>    </a:t>
+            </a:r>
+            <a:r>
+              <a:rPr kumimoji="0" lang="en-US" altLang="en-US" sz="1100" b="0" i="0" u="none" strike="noStrike" cap="none" normalizeH="0" baseline="0" dirty="0">
+                <a:ln>
+                  <a:noFill/>
+                </a:ln>
+                <a:solidFill>
+                  <a:srgbClr val="000000"/>
+                </a:solidFill>
+                <a:effectLst/>
+                <a:latin typeface="Consolas" panose="020B0609020204030204" pitchFamily="49" charset="0"/>
+              </a:rPr>
+              <a:t>}</a:t>
+            </a:r>
+            <a:endParaRPr kumimoji="0" lang="en-US" altLang="en-US" sz="800" b="0" i="0" u="none" strike="noStrike" cap="none" normalizeH="0" baseline="0" dirty="0">
+              <a:ln>
+                <a:noFill/>
+              </a:ln>
+              <a:solidFill>
+                <a:schemeClr val="tx1"/>
+              </a:solidFill>
+              <a:effectLst/>
+            </a:endParaRPr>
+          </a:p>
+          <a:p>
+            <a:pPr marL="0" marR="0" lvl="0" indent="0" algn="l" defTabSz="914400" rtl="0" eaLnBrk="0" fontAlgn="base" latinLnBrk="0" hangingPunct="0">
+              <a:lnSpc>
+                <a:spcPct val="100000"/>
+              </a:lnSpc>
+              <a:spcBef>
+                <a:spcPct val="0"/>
+              </a:spcBef>
+              <a:spcAft>
+                <a:spcPct val="0"/>
+              </a:spcAft>
+              <a:buClrTx/>
+              <a:buSzTx/>
+              <a:buFontTx/>
+              <a:buNone/>
+              <a:tabLst/>
+            </a:pPr>
+            <a:r>
+              <a:rPr kumimoji="0" lang="en-US" altLang="en-US" sz="1100" b="0" i="0" u="none" strike="noStrike" cap="none" normalizeH="0" baseline="0" dirty="0">
+                <a:ln>
+                  <a:noFill/>
+                </a:ln>
+                <a:solidFill>
+                  <a:srgbClr val="000000"/>
+                </a:solidFill>
+                <a:effectLst/>
+                <a:latin typeface="Consolas" panose="020B0609020204030204" pitchFamily="49" charset="0"/>
+              </a:rPr>
+              <a:t>}</a:t>
+            </a:r>
+            <a:endParaRPr kumimoji="0" lang="en-US" altLang="en-US" sz="1800" b="0" i="0" u="none" strike="noStrike" cap="none" normalizeH="0" baseline="0" dirty="0">
+              <a:ln>
+                <a:noFill/>
+              </a:ln>
+              <a:solidFill>
+                <a:schemeClr val="tx1"/>
+              </a:solidFill>
+              <a:effectLst/>
+              <a:latin typeface="Arial" panose="020B0604020202020204" pitchFamily="34" charset="0"/>
+            </a:endParaRPr>
+          </a:p>
+        </p:txBody>
+      </p:sp>
+    </p:spTree>
+    <p:extLst>
+      <p:ext uri="{BB962C8B-B14F-4D97-AF65-F5344CB8AC3E}">
+        <p14:creationId xmlns:p14="http://schemas.microsoft.com/office/powerpoint/2010/main" val="446716889"/>
+      </p:ext>
+    </p:extLst>
+  </p:cSld>
+  <p:clrMapOvr>
+    <a:masterClrMapping/>
+  </p:clrMapOvr>
+</p:sld>
+</file>
+
+<file path=ppt/slides/slide5.xml><?xml version="1.0" encoding="utf-8"?>
+<p:sld xmlns:a="http://schemas.openxmlformats.org/drawingml/2006/main" xmlns:r="http://schemas.openxmlformats.org/officeDocument/2006/relationships" xmlns:p="http://schemas.openxmlformats.org/presentationml/2006/main">
+  <p:cSld>
+    <p:spTree>
+      <p:nvGrpSpPr>
+        <p:cNvPr id="1" name=""/>
+        <p:cNvGrpSpPr/>
+        <p:nvPr/>
+      </p:nvGrpSpPr>
+      <p:grpSpPr>
+        <a:xfrm>
+          <a:off x="0" y="0"/>
+          <a:ext cx="0" cy="0"/>
+          <a:chOff x="0" y="0"/>
+          <a:chExt cx="0" cy="0"/>
+        </a:xfrm>
+      </p:grpSpPr>
+      <p:sp>
+        <p:nvSpPr>
+          <p:cNvPr id="3" name="Content Placeholder 2">
+            <a:extLst>
+              <a:ext uri="{FF2B5EF4-FFF2-40B4-BE49-F238E27FC236}">
+                <a16:creationId xmlns:a16="http://schemas.microsoft.com/office/drawing/2014/main" id="{E563A1D1-C54A-4848-870A-6230EC131EFC}"/>
+              </a:ext>
+            </a:extLst>
+          </p:cNvPr>
+          <p:cNvSpPr>
+            <a:spLocks noGrp="1"/>
+          </p:cNvSpPr>
+          <p:nvPr>
+            <p:ph idx="1"/>
+          </p:nvPr>
+        </p:nvSpPr>
+        <p:spPr>
+          <a:xfrm>
+            <a:off x="838200" y="612742"/>
+            <a:ext cx="10515600" cy="5564221"/>
+          </a:xfrm>
+        </p:spPr>
+        <p:txBody>
+          <a:bodyPr/>
+          <a:lstStyle/>
+          <a:p>
+            <a:r>
+              <a:rPr lang="en-US" dirty="0"/>
+              <a:t>Which is better? Runnable Vs Extending Thread class?</a:t>
+            </a:r>
+          </a:p>
+          <a:p>
+            <a:pPr lvl="1"/>
+            <a:r>
+              <a:rPr lang="en-US" dirty="0"/>
+              <a:t>Answer is mostly Runnable</a:t>
+            </a:r>
+          </a:p>
+          <a:p>
+            <a:pPr lvl="1"/>
+            <a:r>
+              <a:rPr lang="en-US" b="0" i="0" dirty="0">
+                <a:solidFill>
+                  <a:srgbClr val="273239"/>
+                </a:solidFill>
+                <a:effectLst/>
+                <a:latin typeface="urw-din"/>
+              </a:rPr>
+              <a:t>Using runnable will give you an object that can be shared amongst multiple threads. </a:t>
+            </a:r>
+          </a:p>
+          <a:p>
+            <a:pPr lvl="1"/>
+            <a:r>
+              <a:rPr lang="en-US" b="0" i="0" dirty="0">
+                <a:solidFill>
+                  <a:srgbClr val="273239"/>
+                </a:solidFill>
+                <a:effectLst/>
+                <a:latin typeface="urw-din"/>
+              </a:rPr>
+              <a:t>If we extend the Thread class, our class cannot extend any other class because Java doesn’t support multiple inheritance. But, if we implement the Runnable interface, our class can still extend other base classes.</a:t>
+            </a:r>
+          </a:p>
+          <a:p>
+            <a:pPr lvl="1"/>
+            <a:r>
+              <a:rPr lang="en-US" dirty="0"/>
+              <a:t>But</a:t>
+            </a:r>
+          </a:p>
+          <a:p>
+            <a:pPr lvl="1"/>
+            <a:r>
+              <a:rPr lang="en-US" b="0" i="0" dirty="0">
+                <a:solidFill>
+                  <a:srgbClr val="273239"/>
+                </a:solidFill>
+                <a:effectLst/>
+                <a:latin typeface="urw-din"/>
+              </a:rPr>
+              <a:t>We can achieve basic functionality of a thread by extending Thread class because it provides some inbuilt methods like yield(), interrupt() etc. that are not available in Runnable interface.</a:t>
+            </a:r>
+          </a:p>
+          <a:p>
+            <a:pPr lvl="1"/>
+            <a:endParaRPr lang="en-IN" dirty="0"/>
+          </a:p>
+        </p:txBody>
+      </p:sp>
+    </p:spTree>
+    <p:extLst>
+      <p:ext uri="{BB962C8B-B14F-4D97-AF65-F5344CB8AC3E}">
+        <p14:creationId xmlns:p14="http://schemas.microsoft.com/office/powerpoint/2010/main" val="3255874766"/>
+      </p:ext>
+    </p:extLst>
+  </p:cSld>
+  <p:clrMapOvr>
+    <a:masterClrMapping/>
+  </p:clrMapOvr>
+</p:sld>
+</file>
+
+<file path=ppt/slides/slide6.xml><?xml version="1.0" encoding="utf-8"?>
+<p:sld xmlns:a="http://schemas.openxmlformats.org/drawingml/2006/main" xmlns:r="http://schemas.openxmlformats.org/officeDocument/2006/relationships" xmlns:p="http://schemas.openxmlformats.org/presentationml/2006/main">
+  <p:cSld>
+    <p:spTree>
+      <p:nvGrpSpPr>
+        <p:cNvPr id="1" name=""/>
+        <p:cNvGrpSpPr/>
+        <p:nvPr/>
+      </p:nvGrpSpPr>
+      <p:grpSpPr>
+        <a:xfrm>
+          <a:off x="0" y="0"/>
+          <a:ext cx="0" cy="0"/>
+          <a:chOff x="0" y="0"/>
+          <a:chExt cx="0" cy="0"/>
+        </a:xfrm>
+      </p:grpSpPr>
+      <p:sp>
+        <p:nvSpPr>
+          <p:cNvPr id="3" name="Content Placeholder 2">
+            <a:extLst>
+              <a:ext uri="{FF2B5EF4-FFF2-40B4-BE49-F238E27FC236}">
+                <a16:creationId xmlns:a16="http://schemas.microsoft.com/office/drawing/2014/main" id="{145CEF5D-0AF5-48E0-A5D0-332493AEAF2A}"/>
+              </a:ext>
+            </a:extLst>
+          </p:cNvPr>
+          <p:cNvSpPr>
+            <a:spLocks noGrp="1"/>
+          </p:cNvSpPr>
+          <p:nvPr>
+            <p:ph idx="1"/>
+          </p:nvPr>
+        </p:nvSpPr>
+        <p:spPr>
+          <a:xfrm>
+            <a:off x="838200" y="716437"/>
+            <a:ext cx="10515600" cy="5460526"/>
+          </a:xfrm>
+        </p:spPr>
+        <p:txBody>
+          <a:bodyPr/>
+          <a:lstStyle/>
+          <a:p>
+            <a:r>
+              <a:rPr lang="en-US" dirty="0"/>
+              <a:t>Thread States.</a:t>
+            </a:r>
+          </a:p>
+          <a:p>
+            <a:endParaRPr lang="en-US" dirty="0"/>
+          </a:p>
+          <a:p>
+            <a:endParaRPr lang="en-US" dirty="0"/>
+          </a:p>
+          <a:p>
+            <a:endParaRPr lang="en-US" dirty="0"/>
+          </a:p>
+          <a:p>
+            <a:endParaRPr lang="en-US" dirty="0"/>
+          </a:p>
+          <a:p>
+            <a:endParaRPr lang="en-US" dirty="0"/>
+          </a:p>
+          <a:p>
+            <a:r>
+              <a:rPr lang="en-US" sz="2000" dirty="0"/>
+              <a:t>NEW State:-  </a:t>
+            </a:r>
+          </a:p>
+          <a:p>
+            <a:pPr lvl="1"/>
+            <a:r>
+              <a:rPr lang="en-US" sz="1400" dirty="0"/>
+              <a:t>Here , we have just created the thread instance. The start() method is not invoked yet</a:t>
+            </a:r>
+          </a:p>
+          <a:p>
+            <a:r>
+              <a:rPr lang="en-US" sz="1800" dirty="0"/>
+              <a:t>Runnable State:-</a:t>
+            </a:r>
+          </a:p>
+          <a:p>
+            <a:pPr lvl="1"/>
+            <a:r>
+              <a:rPr lang="en-US" sz="1600" b="0" i="0" dirty="0">
+                <a:solidFill>
+                  <a:srgbClr val="273239"/>
+                </a:solidFill>
+                <a:effectLst/>
+                <a:latin typeface="urw-din"/>
+              </a:rPr>
+              <a:t>A thread that is ready to run is moved to runnable state. In this state, a thread might actually be running(</a:t>
+            </a:r>
+            <a:r>
+              <a:rPr lang="en-US" sz="1600" b="0" i="0" dirty="0" err="1">
+                <a:solidFill>
+                  <a:srgbClr val="273239"/>
+                </a:solidFill>
+                <a:effectLst/>
+                <a:latin typeface="urw-din"/>
+              </a:rPr>
+              <a:t>i.e</a:t>
+            </a:r>
+            <a:r>
+              <a:rPr lang="en-US" sz="1600" b="0" i="0" dirty="0">
+                <a:solidFill>
+                  <a:srgbClr val="273239"/>
+                </a:solidFill>
+                <a:effectLst/>
+                <a:latin typeface="urw-din"/>
+              </a:rPr>
+              <a:t> </a:t>
+            </a:r>
+            <a:r>
+              <a:rPr lang="en-US" sz="1600" b="1" i="0" dirty="0">
+                <a:solidFill>
+                  <a:srgbClr val="273239"/>
+                </a:solidFill>
+                <a:effectLst/>
+                <a:latin typeface="urw-din"/>
+              </a:rPr>
+              <a:t>RUNNING Sate</a:t>
+            </a:r>
+            <a:r>
+              <a:rPr lang="en-US" sz="1600" b="0" i="0" dirty="0">
+                <a:solidFill>
+                  <a:srgbClr val="273239"/>
+                </a:solidFill>
+                <a:effectLst/>
+                <a:latin typeface="urw-din"/>
+              </a:rPr>
+              <a:t>)or it might be ready run at any instant of time. It is the responsibility of the thread scheduler to give the thread, time to run.</a:t>
+            </a:r>
+            <a:endParaRPr lang="en-US" sz="2000" dirty="0"/>
+          </a:p>
+          <a:p>
+            <a:endParaRPr lang="en-US" sz="1800" dirty="0"/>
+          </a:p>
+          <a:p>
+            <a:endParaRPr lang="en-US" sz="1800" dirty="0"/>
+          </a:p>
+        </p:txBody>
+      </p:sp>
+      <p:sp>
+        <p:nvSpPr>
+          <p:cNvPr id="4" name="Rectangle 3">
+            <a:extLst>
+              <a:ext uri="{FF2B5EF4-FFF2-40B4-BE49-F238E27FC236}">
+                <a16:creationId xmlns:a16="http://schemas.microsoft.com/office/drawing/2014/main" id="{0B71D435-91A5-4093-83B0-A84681A7CAF9}"/>
+              </a:ext>
+            </a:extLst>
+          </p:cNvPr>
+          <p:cNvSpPr/>
+          <p:nvPr/>
+        </p:nvSpPr>
+        <p:spPr>
+          <a:xfrm>
+            <a:off x="1216058" y="1847654"/>
+            <a:ext cx="2573518" cy="1225484"/>
+          </a:xfrm>
+          <a:prstGeom prst="rect">
+            <a:avLst/>
+          </a:prstGeom>
+        </p:spPr>
+        <p:style>
+          <a:lnRef idx="2">
+            <a:schemeClr val="accent1">
+              <a:shade val="50000"/>
+            </a:schemeClr>
+          </a:lnRef>
+          <a:fillRef idx="1">
+            <a:schemeClr val="accent1"/>
+          </a:fillRef>
+          <a:effectRef idx="0">
+            <a:schemeClr val="accent1"/>
+          </a:effectRef>
+          <a:fontRef idx="minor">
+            <a:schemeClr val="lt1"/>
+          </a:fontRef>
+        </p:style>
+        <p:txBody>
+          <a:bodyPr rtlCol="0" anchor="ctr"/>
+          <a:lstStyle/>
+          <a:p>
+            <a:pPr algn="ctr"/>
+            <a:endParaRPr lang="en-US" dirty="0"/>
+          </a:p>
+          <a:p>
+            <a:pPr algn="ctr"/>
+            <a:r>
+              <a:rPr lang="en-US" dirty="0"/>
+              <a:t>NEW</a:t>
+            </a:r>
+            <a:br>
+              <a:rPr lang="en-US" dirty="0"/>
+            </a:br>
+            <a:r>
+              <a:rPr lang="en-US" dirty="0"/>
+              <a:t>public static final </a:t>
+            </a:r>
+            <a:r>
+              <a:rPr lang="en-US" dirty="0" err="1"/>
+              <a:t>Thread.State</a:t>
+            </a:r>
+            <a:r>
+              <a:rPr lang="en-US" dirty="0"/>
+              <a:t> NEW </a:t>
+            </a:r>
+          </a:p>
+          <a:p>
+            <a:pPr algn="ctr"/>
+            <a:r>
+              <a:rPr lang="en-US" dirty="0"/>
+              <a:t> </a:t>
+            </a:r>
+          </a:p>
+          <a:p>
+            <a:pPr algn="ctr"/>
+            <a:endParaRPr lang="en-IN" dirty="0"/>
+          </a:p>
+        </p:txBody>
+      </p:sp>
+      <p:cxnSp>
+        <p:nvCxnSpPr>
+          <p:cNvPr id="9" name="Straight Arrow Connector 8">
+            <a:extLst>
+              <a:ext uri="{FF2B5EF4-FFF2-40B4-BE49-F238E27FC236}">
+                <a16:creationId xmlns:a16="http://schemas.microsoft.com/office/drawing/2014/main" id="{86A18C3D-61CB-43DC-B852-37EA3527023F}"/>
+              </a:ext>
+            </a:extLst>
+          </p:cNvPr>
+          <p:cNvCxnSpPr/>
+          <p:nvPr/>
+        </p:nvCxnSpPr>
+        <p:spPr>
+          <a:xfrm>
+            <a:off x="3789576" y="2460396"/>
+            <a:ext cx="499620" cy="0"/>
+          </a:xfrm>
+          <a:prstGeom prst="straightConnector1">
+            <a:avLst/>
+          </a:prstGeom>
+          <a:ln>
+            <a:tailEnd type="triangle"/>
+          </a:ln>
+        </p:spPr>
+        <p:style>
+          <a:lnRef idx="1">
+            <a:schemeClr val="accent1"/>
+          </a:lnRef>
+          <a:fillRef idx="0">
+            <a:schemeClr val="accent1"/>
+          </a:fillRef>
+          <a:effectRef idx="0">
+            <a:schemeClr val="accent1"/>
+          </a:effectRef>
+          <a:fontRef idx="minor">
+            <a:schemeClr val="tx1"/>
+          </a:fontRef>
+        </p:style>
+      </p:cxnSp>
+      <p:sp>
+        <p:nvSpPr>
+          <p:cNvPr id="10" name="Rectangle 9">
+            <a:extLst>
+              <a:ext uri="{FF2B5EF4-FFF2-40B4-BE49-F238E27FC236}">
+                <a16:creationId xmlns:a16="http://schemas.microsoft.com/office/drawing/2014/main" id="{E8DF4922-8E00-45AA-849E-622FEB48A79F}"/>
+              </a:ext>
+            </a:extLst>
+          </p:cNvPr>
+          <p:cNvSpPr/>
+          <p:nvPr/>
+        </p:nvSpPr>
+        <p:spPr>
+          <a:xfrm>
+            <a:off x="4289196" y="1847654"/>
+            <a:ext cx="2648932" cy="1291453"/>
+          </a:xfrm>
+          <a:prstGeom prst="rect">
+            <a:avLst/>
+          </a:prstGeom>
+        </p:spPr>
+        <p:style>
+          <a:lnRef idx="2">
+            <a:schemeClr val="accent1">
+              <a:shade val="50000"/>
+            </a:schemeClr>
+          </a:lnRef>
+          <a:fillRef idx="1">
+            <a:schemeClr val="accent1"/>
+          </a:fillRef>
+          <a:effectRef idx="0">
+            <a:schemeClr val="accent1"/>
+          </a:effectRef>
+          <a:fontRef idx="minor">
+            <a:schemeClr val="lt1"/>
+          </a:fontRef>
+        </p:style>
+        <p:txBody>
+          <a:bodyPr rtlCol="0" anchor="ctr"/>
+          <a:lstStyle/>
+          <a:p>
+            <a:pPr algn="ctr"/>
+            <a:endParaRPr lang="en-US" dirty="0"/>
+          </a:p>
+          <a:p>
+            <a:pPr algn="ctr"/>
+            <a:r>
+              <a:rPr lang="en-US" dirty="0"/>
+              <a:t>Runnable</a:t>
+            </a:r>
+            <a:br>
+              <a:rPr lang="en-US" dirty="0"/>
+            </a:br>
+            <a:r>
+              <a:rPr lang="en-US" dirty="0"/>
+              <a:t>public static final </a:t>
+            </a:r>
+            <a:r>
+              <a:rPr lang="en-US" dirty="0" err="1"/>
+              <a:t>Thread.State</a:t>
+            </a:r>
+            <a:r>
+              <a:rPr lang="en-US" dirty="0"/>
+              <a:t> RUNNABLE </a:t>
+            </a:r>
+          </a:p>
+          <a:p>
+            <a:pPr algn="ctr"/>
+            <a:br>
+              <a:rPr lang="en-US" dirty="0"/>
+            </a:br>
+            <a:endParaRPr lang="en-IN" dirty="0"/>
+          </a:p>
+        </p:txBody>
+      </p:sp>
+      <p:sp>
+        <p:nvSpPr>
+          <p:cNvPr id="12" name="Rectangle 5">
+            <a:extLst>
+              <a:ext uri="{FF2B5EF4-FFF2-40B4-BE49-F238E27FC236}">
+                <a16:creationId xmlns:a16="http://schemas.microsoft.com/office/drawing/2014/main" id="{8A4117E8-AE4D-4219-BE3F-0F5D6018EEC7}"/>
+              </a:ext>
+            </a:extLst>
+          </p:cNvPr>
+          <p:cNvSpPr>
+            <a:spLocks noChangeArrowheads="1"/>
+          </p:cNvSpPr>
+          <p:nvPr/>
+        </p:nvSpPr>
+        <p:spPr bwMode="auto">
+          <a:xfrm>
+            <a:off x="0" y="58050"/>
+            <a:ext cx="65" cy="341099"/>
+          </a:xfrm>
+          <a:prstGeom prst="rect">
+            <a:avLst/>
+          </a:prstGeom>
+          <a:noFill/>
+          <a:ln>
+            <a:noFill/>
+          </a:ln>
+          <a:effectLst/>
+          <a:extLst>
+            <a:ext uri="{909E8E84-426E-40DD-AFC4-6F175D3DCCD1}">
+              <a14:hiddenFill xmlns:a14="http://schemas.microsoft.com/office/drawing/2010/main">
+                <a:solidFill>
+                  <a:schemeClr val="accent1"/>
+                </a:solidFill>
+              </a14:hiddenFill>
+            </a:ext>
+            <a:ext uri="{91240B29-F687-4F45-9708-019B960494DF}">
+              <a14:hiddenLine xmlns:a14="http://schemas.microsoft.com/office/drawing/2010/main" w="9525">
+                <a:solidFill>
+                  <a:schemeClr val="tx1"/>
+                </a:solidFill>
+                <a:miter lim="800000"/>
+                <a:headEnd/>
+                <a:tailEnd/>
+              </a14:hiddenLine>
+            </a:ext>
+            <a:ext uri="{AF507438-7753-43E0-B8FC-AC1667EBCBE1}">
+              <a14:hiddenEffects xmlns:a14="http://schemas.microsoft.com/office/drawing/2010/main">
+                <a:effectLst>
+                  <a:outerShdw dist="35921" dir="2700000" algn="ctr" rotWithShape="0">
+                    <a:schemeClr val="bg2"/>
+                  </a:outerShdw>
+                </a:effectLst>
+              </a14:hiddenEffects>
+            </a:ext>
+          </a:extLst>
+        </p:spPr>
+        <p:txBody>
+          <a:bodyPr vert="horz" wrap="none" lIns="0" tIns="0" rIns="0" bIns="63480" numCol="1" anchor="ctr" anchorCtr="0" compatLnSpc="1">
+            <a:prstTxWarp prst="textNoShape">
+              <a:avLst/>
+            </a:prstTxWarp>
+            <a:spAutoFit/>
+          </a:bodyPr>
+          <a:lstStyle/>
+          <a:p>
+            <a:pPr marL="0" marR="0" lvl="0" indent="0" algn="l" defTabSz="914400" rtl="0" eaLnBrk="0" fontAlgn="base" latinLnBrk="0" hangingPunct="0">
+              <a:lnSpc>
+                <a:spcPct val="100000"/>
+              </a:lnSpc>
+              <a:spcBef>
+                <a:spcPct val="0"/>
+              </a:spcBef>
+              <a:spcAft>
+                <a:spcPct val="0"/>
+              </a:spcAft>
+              <a:buClrTx/>
+              <a:buSzTx/>
+              <a:buFontTx/>
+              <a:buNone/>
+              <a:tabLst/>
+            </a:pPr>
+            <a:endParaRPr kumimoji="0" lang="en-US" altLang="en-US" sz="1800" b="0" i="0" u="none" strike="noStrike" cap="none" normalizeH="0" baseline="0" dirty="0">
+              <a:ln>
+                <a:noFill/>
+              </a:ln>
+              <a:solidFill>
+                <a:schemeClr val="tx1"/>
+              </a:solidFill>
+              <a:effectLst/>
+              <a:latin typeface="Arial" panose="020B0604020202020204" pitchFamily="34" charset="0"/>
+            </a:endParaRPr>
+          </a:p>
+        </p:txBody>
+      </p:sp>
+      <p:cxnSp>
+        <p:nvCxnSpPr>
+          <p:cNvPr id="14" name="Straight Arrow Connector 13">
+            <a:extLst>
+              <a:ext uri="{FF2B5EF4-FFF2-40B4-BE49-F238E27FC236}">
+                <a16:creationId xmlns:a16="http://schemas.microsoft.com/office/drawing/2014/main" id="{3702826D-5604-4D65-BC13-3DA457E81014}"/>
+              </a:ext>
+            </a:extLst>
+          </p:cNvPr>
+          <p:cNvCxnSpPr/>
+          <p:nvPr/>
+        </p:nvCxnSpPr>
+        <p:spPr>
+          <a:xfrm>
+            <a:off x="6938128" y="2460396"/>
+            <a:ext cx="499620" cy="0"/>
+          </a:xfrm>
+          <a:prstGeom prst="straightConnector1">
+            <a:avLst/>
+          </a:prstGeom>
+          <a:ln>
+            <a:tailEnd type="triangle"/>
+          </a:ln>
+        </p:spPr>
+        <p:style>
+          <a:lnRef idx="1">
+            <a:schemeClr val="accent1"/>
+          </a:lnRef>
+          <a:fillRef idx="0">
+            <a:schemeClr val="accent1"/>
+          </a:fillRef>
+          <a:effectRef idx="0">
+            <a:schemeClr val="accent1"/>
+          </a:effectRef>
+          <a:fontRef idx="minor">
+            <a:schemeClr val="tx1"/>
+          </a:fontRef>
+        </p:style>
+      </p:cxnSp>
+      <p:sp>
+        <p:nvSpPr>
+          <p:cNvPr id="15" name="Rectangle 14">
+            <a:extLst>
+              <a:ext uri="{FF2B5EF4-FFF2-40B4-BE49-F238E27FC236}">
+                <a16:creationId xmlns:a16="http://schemas.microsoft.com/office/drawing/2014/main" id="{68677C21-1028-4704-8FB3-8995791AA024}"/>
+              </a:ext>
+            </a:extLst>
+          </p:cNvPr>
+          <p:cNvSpPr/>
+          <p:nvPr/>
+        </p:nvSpPr>
+        <p:spPr>
+          <a:xfrm>
+            <a:off x="7437748" y="1839799"/>
+            <a:ext cx="2648932" cy="1291453"/>
+          </a:xfrm>
+          <a:prstGeom prst="rect">
+            <a:avLst/>
+          </a:prstGeom>
+        </p:spPr>
+        <p:style>
+          <a:lnRef idx="2">
+            <a:schemeClr val="accent1">
+              <a:shade val="50000"/>
+            </a:schemeClr>
+          </a:lnRef>
+          <a:fillRef idx="1">
+            <a:schemeClr val="accent1"/>
+          </a:fillRef>
+          <a:effectRef idx="0">
+            <a:schemeClr val="accent1"/>
+          </a:effectRef>
+          <a:fontRef idx="minor">
+            <a:schemeClr val="lt1"/>
+          </a:fontRef>
+        </p:style>
+        <p:txBody>
+          <a:bodyPr rtlCol="0" anchor="ctr"/>
+          <a:lstStyle/>
+          <a:p>
+            <a:pPr algn="ctr"/>
+            <a:endParaRPr lang="en-US" dirty="0"/>
+          </a:p>
+          <a:p>
+            <a:pPr algn="ctr"/>
+            <a:r>
+              <a:rPr lang="en-US" dirty="0"/>
+              <a:t>RUNNING</a:t>
+            </a:r>
+          </a:p>
+          <a:p>
+            <a:pPr algn="ctr"/>
+            <a:br>
+              <a:rPr lang="en-US" dirty="0"/>
+            </a:br>
+            <a:endParaRPr lang="en-IN" dirty="0"/>
+          </a:p>
+        </p:txBody>
+      </p:sp>
+      <p:sp>
+        <p:nvSpPr>
+          <p:cNvPr id="16" name="Rectangle 15">
+            <a:extLst>
+              <a:ext uri="{FF2B5EF4-FFF2-40B4-BE49-F238E27FC236}">
+                <a16:creationId xmlns:a16="http://schemas.microsoft.com/office/drawing/2014/main" id="{0EA2C51F-FF8A-4A5A-8C99-A4C08BBB7833}"/>
+              </a:ext>
+            </a:extLst>
+          </p:cNvPr>
+          <p:cNvSpPr/>
+          <p:nvPr/>
+        </p:nvSpPr>
+        <p:spPr>
+          <a:xfrm>
+            <a:off x="4449452" y="895546"/>
+            <a:ext cx="2384981" cy="556182"/>
+          </a:xfrm>
+          <a:prstGeom prst="rect">
+            <a:avLst/>
+          </a:prstGeom>
+        </p:spPr>
+        <p:style>
+          <a:lnRef idx="2">
+            <a:schemeClr val="accent1">
+              <a:shade val="50000"/>
+            </a:schemeClr>
+          </a:lnRef>
+          <a:fillRef idx="1">
+            <a:schemeClr val="accent1"/>
+          </a:fillRef>
+          <a:effectRef idx="0">
+            <a:schemeClr val="accent1"/>
+          </a:effectRef>
+          <a:fontRef idx="minor">
+            <a:schemeClr val="lt1"/>
+          </a:fontRef>
+        </p:style>
+        <p:txBody>
+          <a:bodyPr rtlCol="0" anchor="ctr"/>
+          <a:lstStyle/>
+          <a:p>
+            <a:pPr algn="ctr"/>
+            <a:r>
+              <a:rPr lang="en-US" dirty="0"/>
+              <a:t>Waiting</a:t>
+            </a:r>
+            <a:r>
+              <a:rPr lang="en-US"/>
+              <a:t>/blocked</a:t>
+            </a:r>
+            <a:endParaRPr lang="en-IN"/>
+          </a:p>
+        </p:txBody>
+      </p:sp>
+    </p:spTree>
+    <p:extLst>
+      <p:ext uri="{BB962C8B-B14F-4D97-AF65-F5344CB8AC3E}">
+        <p14:creationId xmlns:p14="http://schemas.microsoft.com/office/powerpoint/2010/main" val="661668456"/>
       </p:ext>
     </p:extLst>
   </p:cSld>
